--- a/documents/posters/Samdarshi et al. SoCal SysBio 2019-firstDraft.pptx
+++ b/documents/posters/Samdarshi et al. SoCal SysBio 2019-firstDraft.pptx
@@ -12974,7 +12974,7 @@
                   <a:srgbClr val="017C00"/>
                 </a:solidFill>
               </a:rPr>
-              <a:t>Improved Developer Tools and Testing</a:t>
+              <a:t>Gene Information Pages</a:t>
             </a:r>
           </a:p>
         </p:txBody>
@@ -13296,106 +13296,6 @@
                 <a:rtl val="0"/>
               </a:rPr>
               <a:t>Availability</a:t>
-            </a:r>
-          </a:p>
-        </p:txBody>
-      </p:sp>
-      <p:sp>
-        <p:nvSpPr>
-          <p:cNvPr id="2" name="Rectangle 1">
-            <a:extLst>
-              <a:ext uri="{FF2B5EF4-FFF2-40B4-BE49-F238E27FC236}">
-                <a16:creationId xmlns:a16="http://schemas.microsoft.com/office/drawing/2014/main" id="{74364559-C88A-6C4A-8194-266D0702055C}"/>
-              </a:ext>
-            </a:extLst>
-          </p:cNvPr>
-          <p:cNvSpPr/>
-          <p:nvPr/>
-        </p:nvSpPr>
-        <p:spPr>
-          <a:xfrm>
-            <a:off x="22534643" y="20541039"/>
-            <a:ext cx="9916015" cy="11753442"/>
-          </a:xfrm>
-          <a:prstGeom prst="rect">
-            <a:avLst/>
-          </a:prstGeom>
-          <a:solidFill>
-            <a:schemeClr val="bg1"/>
-          </a:solidFill>
-          <a:ln>
-            <a:noFill/>
-          </a:ln>
-        </p:spPr>
-        <p:style>
-          <a:lnRef idx="2">
-            <a:schemeClr val="accent1">
-              <a:shade val="50000"/>
-            </a:schemeClr>
-          </a:lnRef>
-          <a:fillRef idx="1">
-            <a:schemeClr val="accent1"/>
-          </a:fillRef>
-          <a:effectRef idx="0">
-            <a:schemeClr val="accent1"/>
-          </a:effectRef>
-          <a:fontRef idx="minor">
-            <a:schemeClr val="lt1"/>
-          </a:fontRef>
-        </p:style>
-        <p:txBody>
-          <a:bodyPr rtlCol="0" anchor="ctr"/>
-          <a:lstStyle/>
-          <a:p>
-            <a:pPr algn="ctr"/>
-            <a:r>
-              <a:rPr lang="en-US" dirty="0"/>
-              <a:t>s</a:t>
-            </a:r>
-          </a:p>
-        </p:txBody>
-      </p:sp>
-      <p:sp>
-        <p:nvSpPr>
-          <p:cNvPr id="40" name="TextBox 39">
-            <a:extLst>
-              <a:ext uri="{FF2B5EF4-FFF2-40B4-BE49-F238E27FC236}">
-                <a16:creationId xmlns:a16="http://schemas.microsoft.com/office/drawing/2014/main" id="{8848F2A5-9FF1-DC44-B665-8185D1CF64A2}"/>
-              </a:ext>
-            </a:extLst>
-          </p:cNvPr>
-          <p:cNvSpPr txBox="1"/>
-          <p:nvPr/>
-        </p:nvSpPr>
-        <p:spPr>
-          <a:xfrm>
-            <a:off x="22527490" y="20605406"/>
-            <a:ext cx="6872110" cy="1446550"/>
-          </a:xfrm>
-          <a:prstGeom prst="rect">
-            <a:avLst/>
-          </a:prstGeom>
-          <a:noFill/>
-        </p:spPr>
-        <p:txBody>
-          <a:bodyPr wrap="square" rtlCol="0">
-            <a:spAutoFit/>
-          </a:bodyPr>
-          <a:lstStyle/>
-          <a:p>
-            <a:r>
-              <a:rPr lang="en-US" sz="2200" b="1" dirty="0"/>
-              <a:t>D3 visualization library was updated to version 4</a:t>
-            </a:r>
-          </a:p>
-          <a:p>
-            <a:pPr marL="244475" lvl="1" indent="-244475">
-              <a:buFont typeface="Arial" panose="020B0604020202020204" pitchFamily="34" charset="0"/>
-              <a:buChar char="•"/>
-            </a:pPr>
-            <a:r>
-              <a:rPr lang="en-US" sz="2200" dirty="0"/>
-              <a:t>D3 is the central visualization code library that GRNsight uses to lay out nodes and edges in the appropriate manner</a:t>
             </a:r>
           </a:p>
         </p:txBody>
@@ -14194,65 +14094,6 @@
           </a:p>
         </p:txBody>
       </p:sp>
-      <p:pic>
-        <p:nvPicPr>
-          <p:cNvPr id="3" name="Picture 2">
-            <a:extLst>
-              <a:ext uri="{FF2B5EF4-FFF2-40B4-BE49-F238E27FC236}">
-                <a16:creationId xmlns:a16="http://schemas.microsoft.com/office/drawing/2014/main" id="{E31DF510-39ED-B14A-B9CB-5BF430237175}"/>
-              </a:ext>
-            </a:extLst>
-          </p:cNvPr>
-          <p:cNvPicPr>
-            <a:picLocks noChangeAspect="1"/>
-          </p:cNvPicPr>
-          <p:nvPr/>
-        </p:nvPicPr>
-        <p:blipFill rotWithShape="1">
-          <a:blip r:embed="rId8"/>
-          <a:srcRect l="10613" t="20275" r="10992" b="24782"/>
-          <a:stretch/>
-        </p:blipFill>
-        <p:spPr>
-          <a:xfrm>
-            <a:off x="29112834" y="20690879"/>
-            <a:ext cx="1821419" cy="729461"/>
-          </a:xfrm>
-          <a:prstGeom prst="rect">
-            <a:avLst/>
-          </a:prstGeom>
-        </p:spPr>
-      </p:pic>
-      <p:pic>
-        <p:nvPicPr>
-          <p:cNvPr id="6" name="Picture 5">
-            <a:extLst>
-              <a:ext uri="{FF2B5EF4-FFF2-40B4-BE49-F238E27FC236}">
-                <a16:creationId xmlns:a16="http://schemas.microsoft.com/office/drawing/2014/main" id="{F71418D0-5BB4-3442-803F-C0A69985D4AB}"/>
-              </a:ext>
-            </a:extLst>
-          </p:cNvPr>
-          <p:cNvPicPr>
-            <a:picLocks noChangeAspect="1"/>
-          </p:cNvPicPr>
-          <p:nvPr/>
-        </p:nvPicPr>
-        <p:blipFill>
-          <a:blip r:embed="rId9"/>
-          <a:stretch>
-            <a:fillRect/>
-          </a:stretch>
-        </p:blipFill>
-        <p:spPr>
-          <a:xfrm>
-            <a:off x="30916005" y="20708753"/>
-            <a:ext cx="1517023" cy="1517023"/>
-          </a:xfrm>
-          <a:prstGeom prst="rect">
-            <a:avLst/>
-          </a:prstGeom>
-        </p:spPr>
-      </p:pic>
       <p:sp>
         <p:nvSpPr>
           <p:cNvPr id="8" name="TextBox 7">
@@ -14318,36 +14159,6 @@
           </a:p>
         </p:txBody>
       </p:sp>
-      <p:pic>
-        <p:nvPicPr>
-          <p:cNvPr id="4" name="Picture 3">
-            <a:extLst>
-              <a:ext uri="{FF2B5EF4-FFF2-40B4-BE49-F238E27FC236}">
-                <a16:creationId xmlns:a16="http://schemas.microsoft.com/office/drawing/2014/main" id="{CC0AFE10-B5A2-FB48-8E1B-00484E28D7C1}"/>
-              </a:ext>
-            </a:extLst>
-          </p:cNvPr>
-          <p:cNvPicPr>
-            <a:picLocks noChangeAspect="1"/>
-          </p:cNvPicPr>
-          <p:nvPr/>
-        </p:nvPicPr>
-        <p:blipFill>
-          <a:blip r:embed="rId10"/>
-          <a:stretch>
-            <a:fillRect/>
-          </a:stretch>
-        </p:blipFill>
-        <p:spPr>
-          <a:xfrm>
-            <a:off x="29146403" y="21467114"/>
-            <a:ext cx="1759174" cy="920634"/>
-          </a:xfrm>
-          <a:prstGeom prst="rect">
-            <a:avLst/>
-          </a:prstGeom>
-        </p:spPr>
-      </p:pic>
       <p:sp>
         <p:nvSpPr>
           <p:cNvPr id="226" name="Shape 108">
@@ -14469,8 +14280,8 @@
         </p:nvSpPr>
         <p:spPr>
           <a:xfrm>
-            <a:off x="12174222" y="20699807"/>
-            <a:ext cx="9405618" cy="1785104"/>
+            <a:off x="11758919" y="20699807"/>
+            <a:ext cx="10118951" cy="1785104"/>
           </a:xfrm>
           <a:prstGeom prst="rect">
             <a:avLst/>
@@ -14639,7 +14450,7 @@
               <p:nvPr/>
             </p:nvPicPr>
             <p:blipFill>
-              <a:blip r:embed="rId11" cstate="email">
+              <a:blip r:embed="rId8" cstate="email">
                 <a:extLst>
                   <a:ext uri="{28A0092B-C50C-407E-A947-70E740481C1C}">
                     <a14:useLocalDpi xmlns:a14="http://schemas.microsoft.com/office/drawing/2010/main" val="0"/>
@@ -14675,7 +14486,7 @@
               <p:nvPr/>
             </p:nvPicPr>
             <p:blipFill>
-              <a:blip r:embed="rId12" cstate="email">
+              <a:blip r:embed="rId9" cstate="email">
                 <a:extLst>
                   <a:ext uri="{28A0092B-C50C-407E-A947-70E740481C1C}">
                     <a14:useLocalDpi xmlns:a14="http://schemas.microsoft.com/office/drawing/2010/main" val="0"/>
@@ -14961,7 +14772,7 @@
               <p:nvPr/>
             </p:nvPicPr>
             <p:blipFill>
-              <a:blip r:embed="rId13" cstate="email">
+              <a:blip r:embed="rId10" cstate="email">
                 <a:extLst>
                   <a:ext uri="{28A0092B-C50C-407E-A947-70E740481C1C}">
                     <a14:useLocalDpi xmlns:a14="http://schemas.microsoft.com/office/drawing/2010/main" val="0"/>
@@ -14997,7 +14808,7 @@
               <p:nvPr/>
             </p:nvPicPr>
             <p:blipFill>
-              <a:blip r:embed="rId14" cstate="email">
+              <a:blip r:embed="rId11" cstate="email">
                 <a:extLst>
                   <a:ext uri="{28A0092B-C50C-407E-A947-70E740481C1C}">
                     <a14:useLocalDpi xmlns:a14="http://schemas.microsoft.com/office/drawing/2010/main" val="0"/>
@@ -15134,1111 +14945,6 @@
           </p:txBody>
         </p:sp>
       </p:grpSp>
-      <p:sp>
-        <p:nvSpPr>
-          <p:cNvPr id="265" name="TextBox 264">
-            <a:extLst>
-              <a:ext uri="{FF2B5EF4-FFF2-40B4-BE49-F238E27FC236}">
-                <a16:creationId xmlns:a16="http://schemas.microsoft.com/office/drawing/2014/main" id="{03F6795E-400C-FF49-956B-1FDE9C1CA3AD}"/>
-              </a:ext>
-            </a:extLst>
-          </p:cNvPr>
-          <p:cNvSpPr txBox="1"/>
-          <p:nvPr/>
-        </p:nvSpPr>
-        <p:spPr>
-          <a:xfrm>
-            <a:off x="22516140" y="25339619"/>
-            <a:ext cx="9884739" cy="1785104"/>
-          </a:xfrm>
-          <a:prstGeom prst="rect">
-            <a:avLst/>
-          </a:prstGeom>
-          <a:noFill/>
-        </p:spPr>
-        <p:txBody>
-          <a:bodyPr wrap="square" rtlCol="0">
-            <a:spAutoFit/>
-          </a:bodyPr>
-          <a:lstStyle/>
-          <a:p>
-            <a:pPr lvl="0">
-              <a:buClr>
-                <a:srgbClr val="000000"/>
-              </a:buClr>
-              <a:buSzPct val="25000"/>
-            </a:pPr>
-            <a:r>
-              <a:rPr lang="en-US" sz="2200" b="1" dirty="0">
-                <a:solidFill>
-                  <a:schemeClr val="dk1"/>
-                </a:solidFill>
-              </a:rPr>
-              <a:t>Mocha and Chai JavaScript testing framework</a:t>
-            </a:r>
-          </a:p>
-          <a:p>
-            <a:pPr marL="236538" lvl="0" indent="-236538">
-              <a:buClr>
-                <a:srgbClr val="000000"/>
-              </a:buClr>
-              <a:buSzPct val="100000"/>
-              <a:buFont typeface="Arial"/>
-              <a:buChar char="•"/>
-            </a:pPr>
-            <a:r>
-              <a:rPr lang="en-US" sz="2200" dirty="0"/>
-              <a:t>The unit testing framework consists of 216 tests covering over 500 test files.</a:t>
-            </a:r>
-          </a:p>
-          <a:p>
-            <a:pPr marL="236538" lvl="0" indent="-236538">
-              <a:buClr>
-                <a:srgbClr val="000000"/>
-              </a:buClr>
-              <a:buSzPct val="100000"/>
-              <a:buFont typeface="Arial"/>
-              <a:buChar char="•"/>
-            </a:pPr>
-            <a:r>
-              <a:rPr lang="en-US" sz="2200" dirty="0"/>
-              <a:t>Testing is split into two different test groups, with </a:t>
-            </a:r>
-            <a:r>
-              <a:rPr lang="en-US" sz="2200" i="1" dirty="0"/>
-              <a:t>semantic</a:t>
-            </a:r>
-            <a:r>
-              <a:rPr lang="en-US" sz="2200" dirty="0"/>
-              <a:t> tests being file format independent, and individualized </a:t>
-            </a:r>
-            <a:r>
-              <a:rPr lang="en-US" sz="2200" i="1" dirty="0"/>
-              <a:t>syntactic</a:t>
-            </a:r>
-            <a:r>
-              <a:rPr lang="en-US" sz="2200" dirty="0"/>
-              <a:t> tests being based on the different file formats.</a:t>
-            </a:r>
-          </a:p>
-        </p:txBody>
-      </p:sp>
-      <p:sp>
-        <p:nvSpPr>
-          <p:cNvPr id="266" name="Rounded Rectangle 265">
-            <a:extLst>
-              <a:ext uri="{FF2B5EF4-FFF2-40B4-BE49-F238E27FC236}">
-                <a16:creationId xmlns:a16="http://schemas.microsoft.com/office/drawing/2014/main" id="{3A88D04D-3F2C-4D4F-BECD-07857F99E623}"/>
-              </a:ext>
-            </a:extLst>
-          </p:cNvPr>
-          <p:cNvSpPr/>
-          <p:nvPr/>
-        </p:nvSpPr>
-        <p:spPr>
-          <a:xfrm>
-            <a:off x="23028626" y="28075530"/>
-            <a:ext cx="1620693" cy="593056"/>
-          </a:xfrm>
-          <a:prstGeom prst="roundRect">
-            <a:avLst/>
-          </a:prstGeom>
-          <a:solidFill>
-            <a:schemeClr val="accent4">
-              <a:lumMod val="60000"/>
-              <a:lumOff val="40000"/>
-            </a:schemeClr>
-          </a:solidFill>
-          <a:ln>
-            <a:noFill/>
-          </a:ln>
-        </p:spPr>
-        <p:style>
-          <a:lnRef idx="2">
-            <a:schemeClr val="accent1">
-              <a:shade val="50000"/>
-            </a:schemeClr>
-          </a:lnRef>
-          <a:fillRef idx="1">
-            <a:schemeClr val="accent1"/>
-          </a:fillRef>
-          <a:effectRef idx="0">
-            <a:schemeClr val="accent1"/>
-          </a:effectRef>
-          <a:fontRef idx="minor">
-            <a:schemeClr val="lt1"/>
-          </a:fontRef>
-        </p:style>
-        <p:txBody>
-          <a:bodyPr rtlCol="0" anchor="ctr"/>
-          <a:lstStyle/>
-          <a:p>
-            <a:pPr algn="ctr"/>
-            <a:r>
-              <a:rPr lang="en-US" sz="1800" dirty="0">
-                <a:solidFill>
-                  <a:schemeClr val="tx1"/>
-                </a:solidFill>
-              </a:rPr>
-              <a:t>Import SIF</a:t>
-            </a:r>
-          </a:p>
-        </p:txBody>
-      </p:sp>
-      <p:sp>
-        <p:nvSpPr>
-          <p:cNvPr id="267" name="Rounded Rectangle 266">
-            <a:extLst>
-              <a:ext uri="{FF2B5EF4-FFF2-40B4-BE49-F238E27FC236}">
-                <a16:creationId xmlns:a16="http://schemas.microsoft.com/office/drawing/2014/main" id="{8435FF16-3597-754E-A04B-CF3302B1E3CA}"/>
-              </a:ext>
-            </a:extLst>
-          </p:cNvPr>
-          <p:cNvSpPr/>
-          <p:nvPr/>
-        </p:nvSpPr>
-        <p:spPr>
-          <a:xfrm>
-            <a:off x="28214631" y="28078790"/>
-            <a:ext cx="1620693" cy="593056"/>
-          </a:xfrm>
-          <a:prstGeom prst="roundRect">
-            <a:avLst/>
-          </a:prstGeom>
-          <a:solidFill>
-            <a:schemeClr val="accent1">
-              <a:lumMod val="60000"/>
-              <a:lumOff val="40000"/>
-            </a:schemeClr>
-          </a:solidFill>
-          <a:ln>
-            <a:noFill/>
-          </a:ln>
-        </p:spPr>
-        <p:style>
-          <a:lnRef idx="2">
-            <a:schemeClr val="accent1">
-              <a:shade val="50000"/>
-            </a:schemeClr>
-          </a:lnRef>
-          <a:fillRef idx="1">
-            <a:schemeClr val="accent1"/>
-          </a:fillRef>
-          <a:effectRef idx="0">
-            <a:schemeClr val="accent1"/>
-          </a:effectRef>
-          <a:fontRef idx="minor">
-            <a:schemeClr val="lt1"/>
-          </a:fontRef>
-        </p:style>
-        <p:txBody>
-          <a:bodyPr rtlCol="0" anchor="ctr"/>
-          <a:lstStyle/>
-          <a:p>
-            <a:pPr algn="ctr"/>
-            <a:r>
-              <a:rPr lang="en-US" sz="1600" dirty="0">
-                <a:solidFill>
-                  <a:schemeClr val="tx1"/>
-                </a:solidFill>
-              </a:rPr>
-              <a:t>Semantic Checker</a:t>
-            </a:r>
-          </a:p>
-        </p:txBody>
-      </p:sp>
-      <p:sp>
-        <p:nvSpPr>
-          <p:cNvPr id="268" name="Rounded Rectangle 267">
-            <a:extLst>
-              <a:ext uri="{FF2B5EF4-FFF2-40B4-BE49-F238E27FC236}">
-                <a16:creationId xmlns:a16="http://schemas.microsoft.com/office/drawing/2014/main" id="{2DBFA75A-00A7-C745-9D54-56A776CC06E2}"/>
-              </a:ext>
-            </a:extLst>
-          </p:cNvPr>
-          <p:cNvSpPr/>
-          <p:nvPr/>
-        </p:nvSpPr>
-        <p:spPr>
-          <a:xfrm>
-            <a:off x="25223586" y="28081597"/>
-            <a:ext cx="1620693" cy="593056"/>
-          </a:xfrm>
-          <a:prstGeom prst="roundRect">
-            <a:avLst/>
-          </a:prstGeom>
-          <a:solidFill>
-            <a:schemeClr val="accent4">
-              <a:lumMod val="60000"/>
-              <a:lumOff val="40000"/>
-            </a:schemeClr>
-          </a:solidFill>
-          <a:ln>
-            <a:noFill/>
-          </a:ln>
-        </p:spPr>
-        <p:style>
-          <a:lnRef idx="2">
-            <a:schemeClr val="accent1">
-              <a:shade val="50000"/>
-            </a:schemeClr>
-          </a:lnRef>
-          <a:fillRef idx="1">
-            <a:schemeClr val="accent1"/>
-          </a:fillRef>
-          <a:effectRef idx="0">
-            <a:schemeClr val="accent1"/>
-          </a:effectRef>
-          <a:fontRef idx="minor">
-            <a:schemeClr val="lt1"/>
-          </a:fontRef>
-        </p:style>
-        <p:txBody>
-          <a:bodyPr rtlCol="0" anchor="ctr"/>
-          <a:lstStyle/>
-          <a:p>
-            <a:pPr algn="ctr"/>
-            <a:r>
-              <a:rPr lang="en-US" sz="1600" dirty="0">
-                <a:solidFill>
-                  <a:schemeClr val="tx1"/>
-                </a:solidFill>
-              </a:rPr>
-              <a:t>SIF Syntax Checker</a:t>
-            </a:r>
-          </a:p>
-        </p:txBody>
-      </p:sp>
-      <p:sp>
-        <p:nvSpPr>
-          <p:cNvPr id="269" name="Rounded Rectangle 268">
-            <a:extLst>
-              <a:ext uri="{FF2B5EF4-FFF2-40B4-BE49-F238E27FC236}">
-                <a16:creationId xmlns:a16="http://schemas.microsoft.com/office/drawing/2014/main" id="{54983012-4E22-F445-ACB6-BCC745205FD1}"/>
-              </a:ext>
-            </a:extLst>
-          </p:cNvPr>
-          <p:cNvSpPr/>
-          <p:nvPr/>
-        </p:nvSpPr>
-        <p:spPr>
-          <a:xfrm>
-            <a:off x="25222657" y="27290415"/>
-            <a:ext cx="1620693" cy="593056"/>
-          </a:xfrm>
-          <a:prstGeom prst="roundRect">
-            <a:avLst/>
-          </a:prstGeom>
-          <a:solidFill>
-            <a:srgbClr val="FAC090"/>
-          </a:solidFill>
-          <a:ln>
-            <a:noFill/>
-          </a:ln>
-        </p:spPr>
-        <p:style>
-          <a:lnRef idx="2">
-            <a:schemeClr val="accent1">
-              <a:shade val="50000"/>
-            </a:schemeClr>
-          </a:lnRef>
-          <a:fillRef idx="1">
-            <a:schemeClr val="accent1"/>
-          </a:fillRef>
-          <a:effectRef idx="0">
-            <a:schemeClr val="accent1"/>
-          </a:effectRef>
-          <a:fontRef idx="minor">
-            <a:schemeClr val="lt1"/>
-          </a:fontRef>
-        </p:style>
-        <p:txBody>
-          <a:bodyPr rtlCol="0" anchor="ctr"/>
-          <a:lstStyle/>
-          <a:p>
-            <a:pPr algn="ctr"/>
-            <a:r>
-              <a:rPr lang="en-US" sz="1600" dirty="0">
-                <a:solidFill>
-                  <a:schemeClr val="tx1"/>
-                </a:solidFill>
-              </a:rPr>
-              <a:t>Excel Syntax Checker</a:t>
-            </a:r>
-          </a:p>
-        </p:txBody>
-      </p:sp>
-      <p:sp>
-        <p:nvSpPr>
-          <p:cNvPr id="270" name="Rounded Rectangle 269">
-            <a:extLst>
-              <a:ext uri="{FF2B5EF4-FFF2-40B4-BE49-F238E27FC236}">
-                <a16:creationId xmlns:a16="http://schemas.microsoft.com/office/drawing/2014/main" id="{7EA98002-DDD6-9047-8785-94298E97EE19}"/>
-              </a:ext>
-            </a:extLst>
-          </p:cNvPr>
-          <p:cNvSpPr/>
-          <p:nvPr/>
-        </p:nvSpPr>
-        <p:spPr>
-          <a:xfrm>
-            <a:off x="25222657" y="28859365"/>
-            <a:ext cx="1620693" cy="593056"/>
-          </a:xfrm>
-          <a:prstGeom prst="roundRect">
-            <a:avLst/>
-          </a:prstGeom>
-          <a:solidFill>
-            <a:schemeClr val="accent5">
-              <a:lumMod val="60000"/>
-              <a:lumOff val="40000"/>
-            </a:schemeClr>
-          </a:solidFill>
-          <a:ln>
-            <a:noFill/>
-          </a:ln>
-        </p:spPr>
-        <p:style>
-          <a:lnRef idx="2">
-            <a:schemeClr val="accent1">
-              <a:shade val="50000"/>
-            </a:schemeClr>
-          </a:lnRef>
-          <a:fillRef idx="1">
-            <a:schemeClr val="accent1"/>
-          </a:fillRef>
-          <a:effectRef idx="0">
-            <a:schemeClr val="accent1"/>
-          </a:effectRef>
-          <a:fontRef idx="minor">
-            <a:schemeClr val="lt1"/>
-          </a:fontRef>
-        </p:style>
-        <p:txBody>
-          <a:bodyPr rtlCol="0" anchor="ctr"/>
-          <a:lstStyle/>
-          <a:p>
-            <a:pPr algn="ctr"/>
-            <a:r>
-              <a:rPr lang="en-US" sz="1500" dirty="0" err="1">
-                <a:solidFill>
-                  <a:schemeClr val="tx1"/>
-                </a:solidFill>
-              </a:rPr>
-              <a:t>GraphML</a:t>
-            </a:r>
-            <a:r>
-              <a:rPr lang="en-US" sz="1500" dirty="0">
-                <a:solidFill>
-                  <a:schemeClr val="tx1"/>
-                </a:solidFill>
-              </a:rPr>
-              <a:t> Syntax Checker</a:t>
-            </a:r>
-          </a:p>
-        </p:txBody>
-      </p:sp>
-      <p:sp>
-        <p:nvSpPr>
-          <p:cNvPr id="271" name="Rounded Rectangle 270">
-            <a:extLst>
-              <a:ext uri="{FF2B5EF4-FFF2-40B4-BE49-F238E27FC236}">
-                <a16:creationId xmlns:a16="http://schemas.microsoft.com/office/drawing/2014/main" id="{C203BA6B-64DF-4342-88F4-2966006B2300}"/>
-              </a:ext>
-            </a:extLst>
-          </p:cNvPr>
-          <p:cNvSpPr/>
-          <p:nvPr/>
-        </p:nvSpPr>
-        <p:spPr>
-          <a:xfrm>
-            <a:off x="30429646" y="28073361"/>
-            <a:ext cx="1620693" cy="593056"/>
-          </a:xfrm>
-          <a:prstGeom prst="roundRect">
-            <a:avLst/>
-          </a:prstGeom>
-          <a:solidFill>
-            <a:schemeClr val="accent1">
-              <a:lumMod val="60000"/>
-              <a:lumOff val="40000"/>
-            </a:schemeClr>
-          </a:solidFill>
-          <a:ln>
-            <a:noFill/>
-          </a:ln>
-        </p:spPr>
-        <p:style>
-          <a:lnRef idx="2">
-            <a:schemeClr val="accent1">
-              <a:shade val="50000"/>
-            </a:schemeClr>
-          </a:lnRef>
-          <a:fillRef idx="1">
-            <a:schemeClr val="accent1"/>
-          </a:fillRef>
-          <a:effectRef idx="0">
-            <a:schemeClr val="accent1"/>
-          </a:effectRef>
-          <a:fontRef idx="minor">
-            <a:schemeClr val="lt1"/>
-          </a:fontRef>
-        </p:style>
-        <p:txBody>
-          <a:bodyPr rtlCol="0" anchor="ctr"/>
-          <a:lstStyle/>
-          <a:p>
-            <a:pPr algn="ctr"/>
-            <a:r>
-              <a:rPr lang="en-US" sz="1800" dirty="0" err="1">
-                <a:solidFill>
-                  <a:schemeClr val="tx1"/>
-                </a:solidFill>
-              </a:rPr>
-              <a:t>GRNsight</a:t>
-            </a:r>
-            <a:endParaRPr lang="en-US" sz="1800" dirty="0">
-              <a:solidFill>
-                <a:schemeClr val="tx1"/>
-              </a:solidFill>
-            </a:endParaRPr>
-          </a:p>
-        </p:txBody>
-      </p:sp>
-      <p:cxnSp>
-        <p:nvCxnSpPr>
-          <p:cNvPr id="272" name="Straight Arrow Connector 271">
-            <a:extLst>
-              <a:ext uri="{FF2B5EF4-FFF2-40B4-BE49-F238E27FC236}">
-                <a16:creationId xmlns:a16="http://schemas.microsoft.com/office/drawing/2014/main" id="{6FD3E4D2-832A-3343-94AD-D6CFD8823D9E}"/>
-              </a:ext>
-            </a:extLst>
-          </p:cNvPr>
-          <p:cNvCxnSpPr/>
-          <p:nvPr/>
-        </p:nvCxnSpPr>
-        <p:spPr>
-          <a:xfrm>
-            <a:off x="24649319" y="28372058"/>
-            <a:ext cx="573338" cy="6067"/>
-          </a:xfrm>
-          <a:prstGeom prst="straightConnector1">
-            <a:avLst/>
-          </a:prstGeom>
-          <a:ln w="50800">
-            <a:solidFill>
-              <a:schemeClr val="tx1">
-                <a:lumMod val="50000"/>
-                <a:lumOff val="50000"/>
-              </a:schemeClr>
-            </a:solidFill>
-            <a:tailEnd type="triangle"/>
-          </a:ln>
-        </p:spPr>
-        <p:style>
-          <a:lnRef idx="1">
-            <a:schemeClr val="accent1"/>
-          </a:lnRef>
-          <a:fillRef idx="0">
-            <a:schemeClr val="accent1"/>
-          </a:fillRef>
-          <a:effectRef idx="0">
-            <a:schemeClr val="accent1"/>
-          </a:effectRef>
-          <a:fontRef idx="minor">
-            <a:schemeClr val="tx1"/>
-          </a:fontRef>
-        </p:style>
-      </p:cxnSp>
-      <p:cxnSp>
-        <p:nvCxnSpPr>
-          <p:cNvPr id="273" name="Elbow Connector 272">
-            <a:extLst>
-              <a:ext uri="{FF2B5EF4-FFF2-40B4-BE49-F238E27FC236}">
-                <a16:creationId xmlns:a16="http://schemas.microsoft.com/office/drawing/2014/main" id="{39298937-EB93-F74C-9466-7C7269557E71}"/>
-              </a:ext>
-            </a:extLst>
-          </p:cNvPr>
-          <p:cNvCxnSpPr/>
-          <p:nvPr/>
-        </p:nvCxnSpPr>
-        <p:spPr>
-          <a:xfrm flipV="1">
-            <a:off x="26843350" y="28372656"/>
-            <a:ext cx="1371281" cy="783237"/>
-          </a:xfrm>
-          <a:prstGeom prst="bentConnector3">
-            <a:avLst/>
-          </a:prstGeom>
-          <a:ln w="50800">
-            <a:solidFill>
-              <a:schemeClr val="tx1">
-                <a:lumMod val="50000"/>
-                <a:lumOff val="50000"/>
-              </a:schemeClr>
-            </a:solidFill>
-            <a:tailEnd type="triangle"/>
-          </a:ln>
-        </p:spPr>
-        <p:style>
-          <a:lnRef idx="1">
-            <a:schemeClr val="accent1"/>
-          </a:lnRef>
-          <a:fillRef idx="0">
-            <a:schemeClr val="accent1"/>
-          </a:fillRef>
-          <a:effectRef idx="0">
-            <a:schemeClr val="accent1"/>
-          </a:effectRef>
-          <a:fontRef idx="minor">
-            <a:schemeClr val="tx1"/>
-          </a:fontRef>
-        </p:style>
-      </p:cxnSp>
-      <p:cxnSp>
-        <p:nvCxnSpPr>
-          <p:cNvPr id="274" name="Elbow Connector 273">
-            <a:extLst>
-              <a:ext uri="{FF2B5EF4-FFF2-40B4-BE49-F238E27FC236}">
-                <a16:creationId xmlns:a16="http://schemas.microsoft.com/office/drawing/2014/main" id="{353497DA-1D2F-4541-9255-746F51C42D88}"/>
-              </a:ext>
-            </a:extLst>
-          </p:cNvPr>
-          <p:cNvCxnSpPr/>
-          <p:nvPr/>
-        </p:nvCxnSpPr>
-        <p:spPr>
-          <a:xfrm>
-            <a:off x="26843350" y="27586943"/>
-            <a:ext cx="1371281" cy="785713"/>
-          </a:xfrm>
-          <a:prstGeom prst="bentConnector3">
-            <a:avLst/>
-          </a:prstGeom>
-          <a:ln w="50800">
-            <a:solidFill>
-              <a:schemeClr val="tx1">
-                <a:lumMod val="50000"/>
-                <a:lumOff val="50000"/>
-              </a:schemeClr>
-            </a:solidFill>
-            <a:tailEnd type="triangle"/>
-          </a:ln>
-        </p:spPr>
-        <p:style>
-          <a:lnRef idx="1">
-            <a:schemeClr val="accent1"/>
-          </a:lnRef>
-          <a:fillRef idx="0">
-            <a:schemeClr val="accent1"/>
-          </a:fillRef>
-          <a:effectRef idx="0">
-            <a:schemeClr val="accent1"/>
-          </a:effectRef>
-          <a:fontRef idx="minor">
-            <a:schemeClr val="tx1"/>
-          </a:fontRef>
-        </p:style>
-      </p:cxnSp>
-      <p:cxnSp>
-        <p:nvCxnSpPr>
-          <p:cNvPr id="275" name="Straight Arrow Connector 274">
-            <a:extLst>
-              <a:ext uri="{FF2B5EF4-FFF2-40B4-BE49-F238E27FC236}">
-                <a16:creationId xmlns:a16="http://schemas.microsoft.com/office/drawing/2014/main" id="{ABA0320A-BDB3-9949-885D-EDF4E1BAE666}"/>
-              </a:ext>
-            </a:extLst>
-          </p:cNvPr>
-          <p:cNvCxnSpPr/>
-          <p:nvPr/>
-        </p:nvCxnSpPr>
-        <p:spPr>
-          <a:xfrm flipV="1">
-            <a:off x="26842421" y="28370784"/>
-            <a:ext cx="1370352" cy="5469"/>
-          </a:xfrm>
-          <a:prstGeom prst="straightConnector1">
-            <a:avLst/>
-          </a:prstGeom>
-          <a:ln w="50800">
-            <a:solidFill>
-              <a:schemeClr val="tx1">
-                <a:lumMod val="50000"/>
-                <a:lumOff val="50000"/>
-              </a:schemeClr>
-            </a:solidFill>
-            <a:tailEnd type="triangle"/>
-          </a:ln>
-        </p:spPr>
-        <p:style>
-          <a:lnRef idx="1">
-            <a:schemeClr val="accent1"/>
-          </a:lnRef>
-          <a:fillRef idx="0">
-            <a:schemeClr val="accent1"/>
-          </a:fillRef>
-          <a:effectRef idx="0">
-            <a:schemeClr val="accent1"/>
-          </a:effectRef>
-          <a:fontRef idx="minor">
-            <a:schemeClr val="tx1"/>
-          </a:fontRef>
-        </p:style>
-      </p:cxnSp>
-      <p:cxnSp>
-        <p:nvCxnSpPr>
-          <p:cNvPr id="276" name="Straight Arrow Connector 275">
-            <a:extLst>
-              <a:ext uri="{FF2B5EF4-FFF2-40B4-BE49-F238E27FC236}">
-                <a16:creationId xmlns:a16="http://schemas.microsoft.com/office/drawing/2014/main" id="{059C4102-3C82-4142-A315-52DB7DAFC784}"/>
-              </a:ext>
-            </a:extLst>
-          </p:cNvPr>
-          <p:cNvCxnSpPr/>
-          <p:nvPr/>
-        </p:nvCxnSpPr>
-        <p:spPr>
-          <a:xfrm flipV="1">
-            <a:off x="29835324" y="28369889"/>
-            <a:ext cx="594322" cy="8236"/>
-          </a:xfrm>
-          <a:prstGeom prst="straightConnector1">
-            <a:avLst/>
-          </a:prstGeom>
-          <a:ln w="50800">
-            <a:solidFill>
-              <a:schemeClr val="tx1">
-                <a:lumMod val="50000"/>
-                <a:lumOff val="50000"/>
-              </a:schemeClr>
-            </a:solidFill>
-            <a:tailEnd type="triangle"/>
-          </a:ln>
-        </p:spPr>
-        <p:style>
-          <a:lnRef idx="1">
-            <a:schemeClr val="accent1"/>
-          </a:lnRef>
-          <a:fillRef idx="0">
-            <a:schemeClr val="accent1"/>
-          </a:fillRef>
-          <a:effectRef idx="0">
-            <a:schemeClr val="accent1"/>
-          </a:effectRef>
-          <a:fontRef idx="minor">
-            <a:schemeClr val="tx1"/>
-          </a:fontRef>
-        </p:style>
-      </p:cxnSp>
-      <p:sp>
-        <p:nvSpPr>
-          <p:cNvPr id="277" name="Rounded Rectangle 276">
-            <a:extLst>
-              <a:ext uri="{FF2B5EF4-FFF2-40B4-BE49-F238E27FC236}">
-                <a16:creationId xmlns:a16="http://schemas.microsoft.com/office/drawing/2014/main" id="{2E86660E-9CD1-724D-8D6B-E1B145B45439}"/>
-              </a:ext>
-            </a:extLst>
-          </p:cNvPr>
-          <p:cNvSpPr/>
-          <p:nvPr/>
-        </p:nvSpPr>
-        <p:spPr>
-          <a:xfrm>
-            <a:off x="23028626" y="27281950"/>
-            <a:ext cx="1620693" cy="593056"/>
-          </a:xfrm>
-          <a:prstGeom prst="roundRect">
-            <a:avLst/>
-          </a:prstGeom>
-          <a:solidFill>
-            <a:srgbClr val="FAC090"/>
-          </a:solidFill>
-          <a:ln>
-            <a:noFill/>
-          </a:ln>
-        </p:spPr>
-        <p:style>
-          <a:lnRef idx="2">
-            <a:schemeClr val="accent1">
-              <a:shade val="50000"/>
-            </a:schemeClr>
-          </a:lnRef>
-          <a:fillRef idx="1">
-            <a:schemeClr val="accent1"/>
-          </a:fillRef>
-          <a:effectRef idx="0">
-            <a:schemeClr val="accent1"/>
-          </a:effectRef>
-          <a:fontRef idx="minor">
-            <a:schemeClr val="lt1"/>
-          </a:fontRef>
-        </p:style>
-        <p:txBody>
-          <a:bodyPr rtlCol="0" anchor="ctr"/>
-          <a:lstStyle/>
-          <a:p>
-            <a:pPr algn="ctr"/>
-            <a:r>
-              <a:rPr lang="en-US" sz="1800" dirty="0">
-                <a:solidFill>
-                  <a:schemeClr val="tx1"/>
-                </a:solidFill>
-              </a:rPr>
-              <a:t>Import Excel</a:t>
-            </a:r>
-          </a:p>
-        </p:txBody>
-      </p:sp>
-      <p:cxnSp>
-        <p:nvCxnSpPr>
-          <p:cNvPr id="278" name="Straight Arrow Connector 277">
-            <a:extLst>
-              <a:ext uri="{FF2B5EF4-FFF2-40B4-BE49-F238E27FC236}">
-                <a16:creationId xmlns:a16="http://schemas.microsoft.com/office/drawing/2014/main" id="{31198BE3-9FE4-3A47-9220-C02C4979FC44}"/>
-              </a:ext>
-            </a:extLst>
-          </p:cNvPr>
-          <p:cNvCxnSpPr/>
-          <p:nvPr/>
-        </p:nvCxnSpPr>
-        <p:spPr>
-          <a:xfrm>
-            <a:off x="24649319" y="27578478"/>
-            <a:ext cx="573338" cy="6067"/>
-          </a:xfrm>
-          <a:prstGeom prst="straightConnector1">
-            <a:avLst/>
-          </a:prstGeom>
-          <a:ln w="50800">
-            <a:solidFill>
-              <a:schemeClr val="tx1">
-                <a:lumMod val="50000"/>
-                <a:lumOff val="50000"/>
-              </a:schemeClr>
-            </a:solidFill>
-            <a:tailEnd type="triangle"/>
-          </a:ln>
-        </p:spPr>
-        <p:style>
-          <a:lnRef idx="1">
-            <a:schemeClr val="accent1"/>
-          </a:lnRef>
-          <a:fillRef idx="0">
-            <a:schemeClr val="accent1"/>
-          </a:fillRef>
-          <a:effectRef idx="0">
-            <a:schemeClr val="accent1"/>
-          </a:effectRef>
-          <a:fontRef idx="minor">
-            <a:schemeClr val="tx1"/>
-          </a:fontRef>
-        </p:style>
-      </p:cxnSp>
-      <p:sp>
-        <p:nvSpPr>
-          <p:cNvPr id="279" name="Rounded Rectangle 278">
-            <a:extLst>
-              <a:ext uri="{FF2B5EF4-FFF2-40B4-BE49-F238E27FC236}">
-                <a16:creationId xmlns:a16="http://schemas.microsoft.com/office/drawing/2014/main" id="{680A14EE-6E3C-064D-9CBB-A15A29D33A86}"/>
-              </a:ext>
-            </a:extLst>
-          </p:cNvPr>
-          <p:cNvSpPr/>
-          <p:nvPr/>
-        </p:nvSpPr>
-        <p:spPr>
-          <a:xfrm>
-            <a:off x="23028626" y="28859365"/>
-            <a:ext cx="1620693" cy="593056"/>
-          </a:xfrm>
-          <a:prstGeom prst="roundRect">
-            <a:avLst/>
-          </a:prstGeom>
-          <a:solidFill>
-            <a:schemeClr val="accent5">
-              <a:lumMod val="60000"/>
-              <a:lumOff val="40000"/>
-            </a:schemeClr>
-          </a:solidFill>
-          <a:ln>
-            <a:noFill/>
-          </a:ln>
-        </p:spPr>
-        <p:style>
-          <a:lnRef idx="2">
-            <a:schemeClr val="accent1">
-              <a:shade val="50000"/>
-            </a:schemeClr>
-          </a:lnRef>
-          <a:fillRef idx="1">
-            <a:schemeClr val="accent1"/>
-          </a:fillRef>
-          <a:effectRef idx="0">
-            <a:schemeClr val="accent1"/>
-          </a:effectRef>
-          <a:fontRef idx="minor">
-            <a:schemeClr val="lt1"/>
-          </a:fontRef>
-        </p:style>
-        <p:txBody>
-          <a:bodyPr rtlCol="0" anchor="ctr"/>
-          <a:lstStyle/>
-          <a:p>
-            <a:pPr algn="ctr"/>
-            <a:r>
-              <a:rPr lang="en-US" sz="1800" dirty="0">
-                <a:solidFill>
-                  <a:schemeClr val="tx1"/>
-                </a:solidFill>
-              </a:rPr>
-              <a:t>Import </a:t>
-            </a:r>
-            <a:r>
-              <a:rPr lang="en-US" sz="1800" dirty="0" err="1">
-                <a:solidFill>
-                  <a:schemeClr val="tx1"/>
-                </a:solidFill>
-              </a:rPr>
-              <a:t>GraphML</a:t>
-            </a:r>
-            <a:endParaRPr lang="en-US" sz="1800" dirty="0">
-              <a:solidFill>
-                <a:schemeClr val="tx1"/>
-              </a:solidFill>
-            </a:endParaRPr>
-          </a:p>
-        </p:txBody>
-      </p:sp>
-      <p:cxnSp>
-        <p:nvCxnSpPr>
-          <p:cNvPr id="280" name="Straight Arrow Connector 279">
-            <a:extLst>
-              <a:ext uri="{FF2B5EF4-FFF2-40B4-BE49-F238E27FC236}">
-                <a16:creationId xmlns:a16="http://schemas.microsoft.com/office/drawing/2014/main" id="{1B3B67E3-D2B8-474C-BC57-D9E7854B341A}"/>
-              </a:ext>
-            </a:extLst>
-          </p:cNvPr>
-          <p:cNvCxnSpPr/>
-          <p:nvPr/>
-        </p:nvCxnSpPr>
-        <p:spPr>
-          <a:xfrm>
-            <a:off x="24649319" y="29155893"/>
-            <a:ext cx="573338" cy="6067"/>
-          </a:xfrm>
-          <a:prstGeom prst="straightConnector1">
-            <a:avLst/>
-          </a:prstGeom>
-          <a:ln w="50800">
-            <a:solidFill>
-              <a:schemeClr val="tx1">
-                <a:lumMod val="50000"/>
-                <a:lumOff val="50000"/>
-              </a:schemeClr>
-            </a:solidFill>
-            <a:tailEnd type="triangle"/>
-          </a:ln>
-        </p:spPr>
-        <p:style>
-          <a:lnRef idx="1">
-            <a:schemeClr val="accent1"/>
-          </a:lnRef>
-          <a:fillRef idx="0">
-            <a:schemeClr val="accent1"/>
-          </a:fillRef>
-          <a:effectRef idx="0">
-            <a:schemeClr val="accent1"/>
-          </a:effectRef>
-          <a:fontRef idx="minor">
-            <a:schemeClr val="tx1"/>
-          </a:fontRef>
-        </p:style>
-      </p:cxnSp>
-      <p:pic>
-        <p:nvPicPr>
-          <p:cNvPr id="281" name="Picture 280">
-            <a:extLst>
-              <a:ext uri="{FF2B5EF4-FFF2-40B4-BE49-F238E27FC236}">
-                <a16:creationId xmlns:a16="http://schemas.microsoft.com/office/drawing/2014/main" id="{3C3059B6-9456-7F46-888C-ED9D797C15C8}"/>
-              </a:ext>
-            </a:extLst>
-          </p:cNvPr>
-          <p:cNvPicPr>
-            <a:picLocks noChangeAspect="1"/>
-          </p:cNvPicPr>
-          <p:nvPr/>
-        </p:nvPicPr>
-        <p:blipFill>
-          <a:blip r:embed="rId15"/>
-          <a:stretch>
-            <a:fillRect/>
-          </a:stretch>
-        </p:blipFill>
-        <p:spPr>
-          <a:xfrm>
-            <a:off x="27630818" y="29744893"/>
-            <a:ext cx="4727562" cy="2462056"/>
-          </a:xfrm>
-          <a:prstGeom prst="rect">
-            <a:avLst/>
-          </a:prstGeom>
-        </p:spPr>
-      </p:pic>
-      <p:sp>
-        <p:nvSpPr>
-          <p:cNvPr id="282" name="TextBox 281">
-            <a:extLst>
-              <a:ext uri="{FF2B5EF4-FFF2-40B4-BE49-F238E27FC236}">
-                <a16:creationId xmlns:a16="http://schemas.microsoft.com/office/drawing/2014/main" id="{5848829D-1F11-9C4B-A921-421AAE8CE5BC}"/>
-              </a:ext>
-            </a:extLst>
-          </p:cNvPr>
-          <p:cNvSpPr txBox="1"/>
-          <p:nvPr/>
-        </p:nvSpPr>
-        <p:spPr>
-          <a:xfrm>
-            <a:off x="22654137" y="29683850"/>
-            <a:ext cx="5054449" cy="769441"/>
-          </a:xfrm>
-          <a:prstGeom prst="rect">
-            <a:avLst/>
-          </a:prstGeom>
-          <a:noFill/>
-        </p:spPr>
-        <p:txBody>
-          <a:bodyPr wrap="square" rtlCol="0">
-            <a:spAutoFit/>
-          </a:bodyPr>
-          <a:lstStyle/>
-          <a:p>
-            <a:pPr lvl="0"/>
-            <a:r>
-              <a:rPr lang="en-US" sz="2200" b="1" dirty="0"/>
-              <a:t>Warnings are returned in cases of non-fatal improper spreadsheets</a:t>
-            </a:r>
-            <a:endParaRPr lang="en-US" sz="2200" dirty="0"/>
-          </a:p>
-        </p:txBody>
-      </p:sp>
-      <p:sp>
-        <p:nvSpPr>
-          <p:cNvPr id="283" name="TextBox 282">
-            <a:extLst>
-              <a:ext uri="{FF2B5EF4-FFF2-40B4-BE49-F238E27FC236}">
-                <a16:creationId xmlns:a16="http://schemas.microsoft.com/office/drawing/2014/main" id="{E1D25DFB-9967-A34B-BE53-A9D2A2E5BD16}"/>
-              </a:ext>
-            </a:extLst>
-          </p:cNvPr>
-          <p:cNvSpPr txBox="1"/>
-          <p:nvPr/>
-        </p:nvSpPr>
-        <p:spPr>
-          <a:xfrm>
-            <a:off x="22534591" y="30444237"/>
-            <a:ext cx="4864470" cy="1785104"/>
-          </a:xfrm>
-          <a:prstGeom prst="rect">
-            <a:avLst/>
-          </a:prstGeom>
-          <a:noFill/>
-        </p:spPr>
-        <p:txBody>
-          <a:bodyPr wrap="square" rtlCol="0">
-            <a:spAutoFit/>
-          </a:bodyPr>
-          <a:lstStyle/>
-          <a:p>
-            <a:pPr marL="217488" indent="-217488">
-              <a:buFont typeface="Arial"/>
-              <a:buChar char="•"/>
-            </a:pPr>
-            <a:r>
-              <a:rPr lang="en-US" sz="2200" dirty="0"/>
-              <a:t>In cases where non-fatal errors exist in the format or data of an uploaded spreadsheet, the graph is displayed, and a warning box appears.</a:t>
-            </a:r>
-          </a:p>
-        </p:txBody>
-      </p:sp>
-      <p:sp>
-        <p:nvSpPr>
-          <p:cNvPr id="24" name="TextBox 23">
-            <a:extLst>
-              <a:ext uri="{FF2B5EF4-FFF2-40B4-BE49-F238E27FC236}">
-                <a16:creationId xmlns:a16="http://schemas.microsoft.com/office/drawing/2014/main" id="{C80A641B-A8A8-3B40-89FF-584A32D66FA5}"/>
-              </a:ext>
-            </a:extLst>
-          </p:cNvPr>
-          <p:cNvSpPr txBox="1"/>
-          <p:nvPr/>
-        </p:nvSpPr>
-        <p:spPr>
-          <a:xfrm>
-            <a:off x="22556120" y="21949002"/>
-            <a:ext cx="9884838" cy="3477875"/>
-          </a:xfrm>
-          <a:prstGeom prst="rect">
-            <a:avLst/>
-          </a:prstGeom>
-          <a:noFill/>
-        </p:spPr>
-        <p:txBody>
-          <a:bodyPr wrap="square" rtlCol="0">
-            <a:spAutoFit/>
-          </a:bodyPr>
-          <a:lstStyle/>
-          <a:p>
-            <a:r>
-              <a:rPr lang="en-US" sz="2200" b="1" dirty="0" err="1"/>
-              <a:t>ESLint</a:t>
-            </a:r>
-            <a:r>
-              <a:rPr lang="en-US" sz="2200" b="1" dirty="0"/>
-              <a:t> added to code base</a:t>
-            </a:r>
-          </a:p>
-          <a:p>
-            <a:pPr marL="244475" indent="-244475">
-              <a:buFont typeface="Arial" panose="020B0604020202020204" pitchFamily="34" charset="0"/>
-              <a:buChar char="•"/>
-            </a:pPr>
-            <a:r>
-              <a:rPr lang="en-US" sz="2200" dirty="0" err="1"/>
-              <a:t>ESLint</a:t>
-            </a:r>
-            <a:r>
-              <a:rPr lang="en-US" sz="2200" dirty="0"/>
-              <a:t> is a “linter,” a tool to identify and correct JavaScript mistakes and style consistency and coding style errors that developers may make while contributing to GRNsight.</a:t>
-            </a:r>
-          </a:p>
-          <a:p>
-            <a:r>
-              <a:rPr lang="en-US" sz="2200" b="1" dirty="0"/>
-              <a:t>Additional Developer Tools</a:t>
-            </a:r>
-          </a:p>
-          <a:p>
-            <a:pPr marL="244475" indent="-244475">
-              <a:buFont typeface="Arial" panose="020B0604020202020204" pitchFamily="34" charset="0"/>
-              <a:buChar char="•"/>
-            </a:pPr>
-            <a:r>
-              <a:rPr lang="en-US" sz="2200" dirty="0"/>
-              <a:t>An automatic test generator was created that generates a document that can be followed by a user to systematically test specific combinations of user interface functions.</a:t>
-            </a:r>
-          </a:p>
-          <a:p>
-            <a:pPr marL="244475" indent="-244475">
-              <a:buFont typeface="Arial" panose="020B0604020202020204" pitchFamily="34" charset="0"/>
-              <a:buChar char="•"/>
-            </a:pPr>
-            <a:r>
-              <a:rPr lang="en-US" sz="2200" dirty="0"/>
-              <a:t>Incorporated Continuous Integration, or automatic testing and linting of the codebase every time new code is added via the service Travis CI.</a:t>
-            </a:r>
-          </a:p>
-        </p:txBody>
-      </p:sp>
       <p:pic>
         <p:nvPicPr>
           <p:cNvPr id="285" name="Picture 284">
@@ -16254,7 +14960,7 @@
           <p:nvPr/>
         </p:nvPicPr>
         <p:blipFill rotWithShape="1">
-          <a:blip r:embed="rId16"/>
+          <a:blip r:embed="rId12"/>
           <a:srcRect l="625" t="2665" r="1" b="569"/>
           <a:stretch/>
         </p:blipFill>
@@ -16288,7 +14994,7 @@
           <p:nvPr/>
         </p:nvPicPr>
         <p:blipFill>
-          <a:blip r:embed="rId17"/>
+          <a:blip r:embed="rId13"/>
           <a:stretch>
             <a:fillRect/>
           </a:stretch>
@@ -16323,7 +15029,7 @@
           <p:nvPr/>
         </p:nvPicPr>
         <p:blipFill>
-          <a:blip r:embed="rId18"/>
+          <a:blip r:embed="rId14"/>
           <a:stretch>
             <a:fillRect/>
           </a:stretch>
@@ -16397,7 +15103,7 @@
           <p:nvPr/>
         </p:nvPicPr>
         <p:blipFill>
-          <a:blip r:embed="rId19"/>
+          <a:blip r:embed="rId15"/>
           <a:stretch>
             <a:fillRect/>
           </a:stretch>
@@ -17028,7 +15734,7 @@
             <p:nvPr/>
           </p:nvPicPr>
           <p:blipFill rotWithShape="1">
-            <a:blip r:embed="rId20" cstate="email">
+            <a:blip r:embed="rId16" cstate="email">
               <a:extLst>
                 <a:ext uri="{28A0092B-C50C-407E-A947-70E740481C1C}">
                   <a14:useLocalDpi xmlns:a14="http://schemas.microsoft.com/office/drawing/2010/main" val="0"/>
@@ -17265,7 +15971,7 @@
           <p:nvPr/>
         </p:nvPicPr>
         <p:blipFill>
-          <a:blip r:embed="rId21">
+          <a:blip r:embed="rId17">
             <a:extLst>
               <a:ext uri="{28A0092B-C50C-407E-A947-70E740481C1C}">
                 <a14:useLocalDpi xmlns:a14="http://schemas.microsoft.com/office/drawing/2010/main" val="0"/>
@@ -17541,7 +16247,7 @@
           <p:nvPr/>
         </p:nvPicPr>
         <p:blipFill>
-          <a:blip r:embed="rId22" cstate="email">
+          <a:blip r:embed="rId18" cstate="email">
             <a:extLst>
               <a:ext uri="{28A0092B-C50C-407E-A947-70E740481C1C}">
                 <a14:useLocalDpi xmlns:a14="http://schemas.microsoft.com/office/drawing/2010/main" val="0"/>
@@ -18558,7 +17264,7 @@
           <p:nvPr/>
         </p:nvPicPr>
         <p:blipFill>
-          <a:blip r:embed="rId23">
+          <a:blip r:embed="rId19">
             <a:extLst>
               <a:ext uri="{28A0092B-C50C-407E-A947-70E740481C1C}">
                 <a14:useLocalDpi xmlns:a14="http://schemas.microsoft.com/office/drawing/2010/main" val="0"/>
@@ -18599,7 +17305,7 @@
           <p:nvPr/>
         </p:nvPicPr>
         <p:blipFill>
-          <a:blip r:embed="rId23">
+          <a:blip r:embed="rId19">
             <a:alphaModFix amt="20000"/>
             <a:extLst>
               <a:ext uri="{28A0092B-C50C-407E-A947-70E740481C1C}">
@@ -18745,7 +17451,7 @@
           <p:nvPr/>
         </p:nvPicPr>
         <p:blipFill rotWithShape="1">
-          <a:blip r:embed="rId24">
+          <a:blip r:embed="rId20">
             <a:extLst>
               <a:ext uri="{28A0092B-C50C-407E-A947-70E740481C1C}">
                 <a14:useLocalDpi xmlns:a14="http://schemas.microsoft.com/office/drawing/2010/main" val="0"/>
@@ -18948,7 +17654,7 @@
           <p:nvPr/>
         </p:nvPicPr>
         <p:blipFill rotWithShape="1">
-          <a:blip r:embed="rId25">
+          <a:blip r:embed="rId21">
             <a:extLst>
               <a:ext uri="{28A0092B-C50C-407E-A947-70E740481C1C}">
                 <a14:useLocalDpi xmlns:a14="http://schemas.microsoft.com/office/drawing/2010/main" val="0"/>
@@ -19018,7 +17724,7 @@
           <p:nvPr/>
         </p:nvPicPr>
         <p:blipFill rotWithShape="1">
-          <a:blip r:embed="rId26">
+          <a:blip r:embed="rId22">
             <a:extLst>
               <a:ext uri="{28A0092B-C50C-407E-A947-70E740481C1C}">
                 <a14:useLocalDpi xmlns:a14="http://schemas.microsoft.com/office/drawing/2010/main" val="0"/>
@@ -19223,7 +17929,7 @@
           <p:nvPr/>
         </p:nvPicPr>
         <p:blipFill>
-          <a:blip r:embed="rId27"/>
+          <a:blip r:embed="rId23"/>
           <a:stretch>
             <a:fillRect/>
           </a:stretch>
@@ -19696,21 +18402,8 @@
                   <a:schemeClr val="tx1"/>
                 </a:solidFill>
               </a:rPr>
-              <a:t>Following strict MVC reduces bugs, simplifies the codebase, makes it much simpler for developers to revise and add new features to GRNsight, and makes code readability </a:t>
-            </a:r>
-            <a:r>
-              <a:rPr lang="en-US" sz="2400">
-                <a:solidFill>
-                  <a:schemeClr val="tx1"/>
-                </a:solidFill>
-              </a:rPr>
-              <a:t>much easier.</a:t>
-            </a:r>
-            <a:endParaRPr lang="en-US" sz="2400" dirty="0">
-              <a:solidFill>
-                <a:schemeClr val="tx1"/>
-              </a:solidFill>
-            </a:endParaRPr>
+              <a:t>Following strict MVC reduces bugs, simplifies the codebase, makes it much simpler for developers to revise and add new features to GRNsight, and makes code readability much easier.</a:t>
+            </a:r>
           </a:p>
         </p:txBody>
       </p:sp>
@@ -20071,7 +18764,7 @@
               <p:nvPr/>
             </p:nvPicPr>
             <p:blipFill>
-              <a:blip r:embed="rId28"/>
+              <a:blip r:embed="rId24"/>
               <a:stretch>
                 <a:fillRect/>
               </a:stretch>
@@ -20365,6 +19058,465 @@
           </p:txBody>
         </p:sp>
       </p:grpSp>
+      <p:sp>
+        <p:nvSpPr>
+          <p:cNvPr id="148" name="Rectangle 147">
+            <a:extLst>
+              <a:ext uri="{FF2B5EF4-FFF2-40B4-BE49-F238E27FC236}">
+                <a16:creationId xmlns:a16="http://schemas.microsoft.com/office/drawing/2014/main" id="{4BDA68C1-FC37-D54D-87B9-83AEB381E3C7}"/>
+              </a:ext>
+            </a:extLst>
+          </p:cNvPr>
+          <p:cNvSpPr/>
+          <p:nvPr/>
+        </p:nvSpPr>
+        <p:spPr>
+          <a:xfrm>
+            <a:off x="22538590" y="20506298"/>
+            <a:ext cx="9921355" cy="11748737"/>
+          </a:xfrm>
+          <a:prstGeom prst="rect">
+            <a:avLst/>
+          </a:prstGeom>
+          <a:solidFill>
+            <a:schemeClr val="bg1"/>
+          </a:solidFill>
+          <a:ln>
+            <a:noFill/>
+          </a:ln>
+        </p:spPr>
+        <p:style>
+          <a:lnRef idx="2">
+            <a:schemeClr val="accent1">
+              <a:shade val="50000"/>
+            </a:schemeClr>
+          </a:lnRef>
+          <a:fillRef idx="1">
+            <a:schemeClr val="accent1"/>
+          </a:fillRef>
+          <a:effectRef idx="0">
+            <a:schemeClr val="accent1"/>
+          </a:effectRef>
+          <a:fontRef idx="minor">
+            <a:schemeClr val="lt1"/>
+          </a:fontRef>
+        </p:style>
+        <p:txBody>
+          <a:bodyPr rtlCol="0" anchor="t"/>
+          <a:lstStyle/>
+          <a:p>
+            <a:pPr marL="342900" indent="-342900">
+              <a:buFont typeface="Arial" panose="020B0604020202020204" pitchFamily="34" charset="0"/>
+              <a:buChar char="•"/>
+            </a:pPr>
+            <a:endParaRPr lang="en-US" sz="2400" dirty="0">
+              <a:solidFill>
+                <a:schemeClr val="tx1"/>
+              </a:solidFill>
+            </a:endParaRPr>
+          </a:p>
+        </p:txBody>
+      </p:sp>
+      <p:pic>
+        <p:nvPicPr>
+          <p:cNvPr id="9" name="Picture 8" descr="A screenshot of a cell phone&#13;&#10;&#13;&#10;Description automatically generated">
+            <a:extLst>
+              <a:ext uri="{FF2B5EF4-FFF2-40B4-BE49-F238E27FC236}">
+                <a16:creationId xmlns:a16="http://schemas.microsoft.com/office/drawing/2014/main" id="{B92C295A-B86F-ED43-A2A3-526586C481D0}"/>
+              </a:ext>
+            </a:extLst>
+          </p:cNvPr>
+          <p:cNvPicPr>
+            <a:picLocks noChangeAspect="1"/>
+          </p:cNvPicPr>
+          <p:nvPr/>
+        </p:nvPicPr>
+        <p:blipFill>
+          <a:blip r:embed="rId25"/>
+          <a:stretch>
+            <a:fillRect/>
+          </a:stretch>
+        </p:blipFill>
+        <p:spPr>
+          <a:xfrm>
+            <a:off x="27985107" y="28792679"/>
+            <a:ext cx="4154366" cy="1605375"/>
+          </a:xfrm>
+          <a:prstGeom prst="rect">
+            <a:avLst/>
+          </a:prstGeom>
+        </p:spPr>
+      </p:pic>
+      <p:sp>
+        <p:nvSpPr>
+          <p:cNvPr id="10" name="TextBox 9">
+            <a:extLst>
+              <a:ext uri="{FF2B5EF4-FFF2-40B4-BE49-F238E27FC236}">
+                <a16:creationId xmlns:a16="http://schemas.microsoft.com/office/drawing/2014/main" id="{65896CBF-7912-104E-8E3C-DE95131A2AA4}"/>
+              </a:ext>
+            </a:extLst>
+          </p:cNvPr>
+          <p:cNvSpPr txBox="1"/>
+          <p:nvPr/>
+        </p:nvSpPr>
+        <p:spPr>
+          <a:xfrm>
+            <a:off x="22544187" y="20541037"/>
+            <a:ext cx="4667795" cy="3416320"/>
+          </a:xfrm>
+          <a:prstGeom prst="rect">
+            <a:avLst/>
+          </a:prstGeom>
+          <a:noFill/>
+        </p:spPr>
+        <p:txBody>
+          <a:bodyPr wrap="square" rtlCol="0">
+            <a:spAutoFit/>
+          </a:bodyPr>
+          <a:lstStyle/>
+          <a:p>
+            <a:pPr marL="342900" indent="-342900">
+              <a:buFont typeface="Arial" panose="020B0604020202020204" pitchFamily="34" charset="0"/>
+              <a:buChar char="•"/>
+            </a:pPr>
+            <a:r>
+              <a:rPr lang="en-US" sz="2400" dirty="0">
+                <a:solidFill>
+                  <a:schemeClr val="tx1"/>
+                </a:solidFill>
+              </a:rPr>
+              <a:t>A dynamic gene information webpage now opens when a user right-clicks on a node in a graph.</a:t>
+            </a:r>
+          </a:p>
+          <a:p>
+            <a:pPr marL="342900" indent="-342900">
+              <a:buFont typeface="Arial" panose="020B0604020202020204" pitchFamily="34" charset="0"/>
+              <a:buChar char="•"/>
+            </a:pPr>
+            <a:r>
+              <a:rPr lang="en-US" sz="2400" dirty="0">
+                <a:solidFill>
+                  <a:schemeClr val="tx1"/>
+                </a:solidFill>
+              </a:rPr>
+              <a:t>The node must be named properly and a gene of </a:t>
+            </a:r>
+            <a:r>
+              <a:rPr lang="en-US" sz="2400" i="1" dirty="0">
+                <a:solidFill>
+                  <a:schemeClr val="tx1"/>
+                </a:solidFill>
+              </a:rPr>
+              <a:t>Saccharomyces cerevisiae</a:t>
+            </a:r>
+            <a:r>
+              <a:rPr lang="en-US" sz="2400" dirty="0">
+                <a:solidFill>
+                  <a:schemeClr val="tx1"/>
+                </a:solidFill>
+              </a:rPr>
+              <a:t>.</a:t>
+            </a:r>
+          </a:p>
+          <a:p>
+            <a:pPr marL="342900" indent="-342900">
+              <a:buFont typeface="Arial" panose="020B0604020202020204" pitchFamily="34" charset="0"/>
+              <a:buChar char="•"/>
+            </a:pPr>
+            <a:r>
+              <a:rPr lang="en-US" sz="2400" dirty="0">
+                <a:solidFill>
+                  <a:schemeClr val="tx1"/>
+                </a:solidFill>
+              </a:rPr>
+              <a:t>The page sends a series of Asynchronous JavaScript and</a:t>
+            </a:r>
+            <a:endParaRPr lang="en-US" sz="2400" dirty="0"/>
+          </a:p>
+        </p:txBody>
+      </p:sp>
+      <p:sp>
+        <p:nvSpPr>
+          <p:cNvPr id="11" name="TextBox 10">
+            <a:extLst>
+              <a:ext uri="{FF2B5EF4-FFF2-40B4-BE49-F238E27FC236}">
+                <a16:creationId xmlns:a16="http://schemas.microsoft.com/office/drawing/2014/main" id="{C0E2D838-E43D-B341-BEB2-F10255A605DE}"/>
+              </a:ext>
+            </a:extLst>
+          </p:cNvPr>
+          <p:cNvSpPr txBox="1"/>
+          <p:nvPr/>
+        </p:nvSpPr>
+        <p:spPr>
+          <a:xfrm>
+            <a:off x="22532098" y="23842611"/>
+            <a:ext cx="9909169" cy="4154984"/>
+          </a:xfrm>
+          <a:prstGeom prst="rect">
+            <a:avLst/>
+          </a:prstGeom>
+          <a:noFill/>
+        </p:spPr>
+        <p:txBody>
+          <a:bodyPr wrap="square" rtlCol="0">
+            <a:spAutoFit/>
+          </a:bodyPr>
+          <a:lstStyle/>
+          <a:p>
+            <a:pPr marL="342900"/>
+            <a:r>
+              <a:rPr lang="en-US" sz="2400" dirty="0">
+                <a:solidFill>
+                  <a:schemeClr val="tx1"/>
+                </a:solidFill>
+              </a:rPr>
+              <a:t>XML (AJAX) data requests, written using the jQuery JavaScript library, to the JASPAR, NCBI Gene, </a:t>
+            </a:r>
+            <a:r>
+              <a:rPr lang="en-US" sz="2400" dirty="0" err="1">
+                <a:solidFill>
+                  <a:schemeClr val="tx1"/>
+                </a:solidFill>
+              </a:rPr>
+              <a:t>UniProt</a:t>
+            </a:r>
+            <a:r>
+              <a:rPr lang="en-US" sz="2400" dirty="0">
+                <a:solidFill>
+                  <a:schemeClr val="tx1"/>
+                </a:solidFill>
+              </a:rPr>
+              <a:t>, </a:t>
+            </a:r>
+            <a:r>
+              <a:rPr lang="en-US" sz="2400" dirty="0" err="1">
+                <a:solidFill>
+                  <a:schemeClr val="tx1"/>
+                </a:solidFill>
+              </a:rPr>
+              <a:t>Ensembl</a:t>
+            </a:r>
+            <a:r>
+              <a:rPr lang="en-US" sz="2400" dirty="0">
+                <a:solidFill>
+                  <a:schemeClr val="tx1"/>
+                </a:solidFill>
+              </a:rPr>
+              <a:t>, and Saccharomyces Genome Databases. </a:t>
+            </a:r>
+          </a:p>
+          <a:p>
+            <a:pPr marL="342900" indent="-342900">
+              <a:buFont typeface="Arial" panose="020B0604020202020204" pitchFamily="34" charset="0"/>
+              <a:buChar char="•"/>
+            </a:pPr>
+            <a:r>
+              <a:rPr lang="en-US" sz="2400" dirty="0">
+                <a:solidFill>
+                  <a:schemeClr val="tx1"/>
+                </a:solidFill>
+              </a:rPr>
+              <a:t>These databases are some of the largest repositories for information regarding </a:t>
+            </a:r>
+            <a:r>
+              <a:rPr lang="en-US" sz="2400" i="1" dirty="0">
+                <a:solidFill>
+                  <a:schemeClr val="tx1"/>
+                </a:solidFill>
+              </a:rPr>
+              <a:t>Saccharomyces cerevisiae</a:t>
+            </a:r>
+            <a:r>
+              <a:rPr lang="en-US" sz="2400" dirty="0">
+                <a:solidFill>
+                  <a:schemeClr val="tx1"/>
+                </a:solidFill>
+              </a:rPr>
+              <a:t>.</a:t>
+            </a:r>
+          </a:p>
+          <a:p>
+            <a:pPr marL="342900" indent="-342900">
+              <a:buFont typeface="Arial" panose="020B0604020202020204" pitchFamily="34" charset="0"/>
+              <a:buChar char="•"/>
+            </a:pPr>
+            <a:r>
+              <a:rPr lang="en-US" sz="2400" dirty="0">
+                <a:solidFill>
+                  <a:schemeClr val="tx1"/>
+                </a:solidFill>
+              </a:rPr>
+              <a:t>The webpage is then populated with data returned regarding the gene’s description, protein sequence, DNA binding motif frequency matrix and sequence logo, and Gene Ontology terms.</a:t>
+            </a:r>
+          </a:p>
+          <a:p>
+            <a:pPr marL="342900" indent="-342900">
+              <a:buFont typeface="Arial" panose="020B0604020202020204" pitchFamily="34" charset="0"/>
+              <a:buChar char="•"/>
+            </a:pPr>
+            <a:r>
+              <a:rPr lang="en-US" sz="2400" dirty="0">
+                <a:solidFill>
+                  <a:schemeClr val="tx1"/>
+                </a:solidFill>
+              </a:rPr>
+              <a:t>All information is linked back to the original source, making citations much easier. </a:t>
+            </a:r>
+          </a:p>
+          <a:p>
+            <a:endParaRPr lang="en-US" sz="2400" dirty="0"/>
+          </a:p>
+        </p:txBody>
+      </p:sp>
+      <p:pic>
+        <p:nvPicPr>
+          <p:cNvPr id="14" name="Picture 13">
+            <a:extLst>
+              <a:ext uri="{FF2B5EF4-FFF2-40B4-BE49-F238E27FC236}">
+                <a16:creationId xmlns:a16="http://schemas.microsoft.com/office/drawing/2014/main" id="{7F922563-EEC8-E541-9BB1-54511CECCD38}"/>
+              </a:ext>
+            </a:extLst>
+          </p:cNvPr>
+          <p:cNvPicPr>
+            <a:picLocks noChangeAspect="1"/>
+          </p:cNvPicPr>
+          <p:nvPr/>
+        </p:nvPicPr>
+        <p:blipFill>
+          <a:blip r:embed="rId26"/>
+          <a:stretch>
+            <a:fillRect/>
+          </a:stretch>
+        </p:blipFill>
+        <p:spPr>
+          <a:xfrm>
+            <a:off x="30078200" y="20603082"/>
+            <a:ext cx="2108200" cy="965200"/>
+          </a:xfrm>
+          <a:prstGeom prst="rect">
+            <a:avLst/>
+          </a:prstGeom>
+        </p:spPr>
+      </p:pic>
+      <p:pic>
+        <p:nvPicPr>
+          <p:cNvPr id="17" name="Picture 16">
+            <a:extLst>
+              <a:ext uri="{FF2B5EF4-FFF2-40B4-BE49-F238E27FC236}">
+                <a16:creationId xmlns:a16="http://schemas.microsoft.com/office/drawing/2014/main" id="{07CCC285-8D15-774C-A655-7FD962228F84}"/>
+              </a:ext>
+            </a:extLst>
+          </p:cNvPr>
+          <p:cNvPicPr>
+            <a:picLocks noChangeAspect="1"/>
+          </p:cNvPicPr>
+          <p:nvPr/>
+        </p:nvPicPr>
+        <p:blipFill>
+          <a:blip r:embed="rId27"/>
+          <a:stretch>
+            <a:fillRect/>
+          </a:stretch>
+        </p:blipFill>
+        <p:spPr>
+          <a:xfrm>
+            <a:off x="30513954" y="21964162"/>
+            <a:ext cx="1422400" cy="1422400"/>
+          </a:xfrm>
+          <a:prstGeom prst="rect">
+            <a:avLst/>
+          </a:prstGeom>
+        </p:spPr>
+      </p:pic>
+      <p:pic>
+        <p:nvPicPr>
+          <p:cNvPr id="18" name="Picture 17">
+            <a:extLst>
+              <a:ext uri="{FF2B5EF4-FFF2-40B4-BE49-F238E27FC236}">
+                <a16:creationId xmlns:a16="http://schemas.microsoft.com/office/drawing/2014/main" id="{C98DFB1C-860B-9F48-836F-1EF672C735FA}"/>
+              </a:ext>
+            </a:extLst>
+          </p:cNvPr>
+          <p:cNvPicPr>
+            <a:picLocks noChangeAspect="1"/>
+          </p:cNvPicPr>
+          <p:nvPr/>
+        </p:nvPicPr>
+        <p:blipFill>
+          <a:blip r:embed="rId28"/>
+          <a:stretch>
+            <a:fillRect/>
+          </a:stretch>
+        </p:blipFill>
+        <p:spPr>
+          <a:xfrm>
+            <a:off x="27248091" y="21802003"/>
+            <a:ext cx="2540000" cy="1778000"/>
+          </a:xfrm>
+          <a:prstGeom prst="rect">
+            <a:avLst/>
+          </a:prstGeom>
+        </p:spPr>
+      </p:pic>
+      <p:pic>
+        <p:nvPicPr>
+          <p:cNvPr id="20" name="Picture 19">
+            <a:extLst>
+              <a:ext uri="{FF2B5EF4-FFF2-40B4-BE49-F238E27FC236}">
+                <a16:creationId xmlns:a16="http://schemas.microsoft.com/office/drawing/2014/main" id="{DB0B98CE-5D60-4D41-86BC-93F3F7BD13B3}"/>
+              </a:ext>
+            </a:extLst>
+          </p:cNvPr>
+          <p:cNvPicPr>
+            <a:picLocks noChangeAspect="1"/>
+          </p:cNvPicPr>
+          <p:nvPr/>
+        </p:nvPicPr>
+        <p:blipFill>
+          <a:blip r:embed="rId29"/>
+          <a:stretch>
+            <a:fillRect/>
+          </a:stretch>
+        </p:blipFill>
+        <p:spPr>
+          <a:xfrm>
+            <a:off x="27502091" y="20507832"/>
+            <a:ext cx="2286000" cy="1155700"/>
+          </a:xfrm>
+          <a:prstGeom prst="rect">
+            <a:avLst/>
+          </a:prstGeom>
+        </p:spPr>
+      </p:pic>
+      <p:pic>
+        <p:nvPicPr>
+          <p:cNvPr id="164" name="Picture 163">
+            <a:extLst>
+              <a:ext uri="{FF2B5EF4-FFF2-40B4-BE49-F238E27FC236}">
+                <a16:creationId xmlns:a16="http://schemas.microsoft.com/office/drawing/2014/main" id="{43FDB0C1-29B6-7140-A753-8B2EA9122333}"/>
+              </a:ext>
+            </a:extLst>
+          </p:cNvPr>
+          <p:cNvPicPr>
+            <a:picLocks noChangeAspect="1"/>
+          </p:cNvPicPr>
+          <p:nvPr/>
+        </p:nvPicPr>
+        <p:blipFill rotWithShape="1">
+          <a:blip r:embed="rId30"/>
+          <a:srcRect l="12982" t="25258" r="8303" b="407"/>
+          <a:stretch/>
+        </p:blipFill>
+        <p:spPr>
+          <a:xfrm>
+            <a:off x="22721464" y="27805938"/>
+            <a:ext cx="5086365" cy="3208160"/>
+          </a:xfrm>
+          <a:prstGeom prst="rect">
+            <a:avLst/>
+          </a:prstGeom>
+        </p:spPr>
+      </p:pic>
     </p:spTree>
     <p:extLst>
       <p:ext uri="{BB962C8B-B14F-4D97-AF65-F5344CB8AC3E}">

--- a/documents/posters/Samdarshi et al. SoCal SysBio 2019-firstDraft.pptx
+++ b/documents/posters/Samdarshi et al. SoCal SysBio 2019-firstDraft.pptx
@@ -10937,8 +10937,13 @@
             </a:pPr>
             <a:r>
               <a:rPr lang="en-US" sz="8000" dirty="0"/>
-              <a:t>New Layouts, Data Types, and Architecture for GRNsight 3: a Web </a:t>
-            </a:r>
+              <a:t>New Layouts, Data Types, and Architecture for GRNsight 3</a:t>
+            </a:r>
+            <a:r>
+              <a:rPr lang="en-US" sz="8000"/>
+              <a:t>: </a:t>
+            </a:r>
+            <a:endParaRPr lang="en-US" sz="8000" smtClean="0"/>
           </a:p>
           <a:p>
             <a:pPr lvl="0" algn="ctr">
@@ -10948,8 +10953,20 @@
               <a:buSzPct val="25000"/>
             </a:pPr>
             <a:r>
+              <a:rPr lang="en-US" sz="8000" smtClean="0"/>
+              <a:t>a </a:t>
+            </a:r>
+            <a:r>
+              <a:rPr lang="en-US" sz="8000"/>
+              <a:t>Web </a:t>
+            </a:r>
+            <a:r>
+              <a:rPr lang="en-US" sz="8000" smtClean="0"/>
+              <a:t>Application </a:t>
+            </a:r>
+            <a:r>
               <a:rPr lang="en-US" sz="8000" dirty="0"/>
-              <a:t>Application for Visualizing Gene Regulatory Networks</a:t>
+              <a:t>for Visualizing Gene Regulatory Networks</a:t>
             </a:r>
             <a:endParaRPr lang="en-US" sz="4000" b="0" i="0" u="none" strike="noStrike" cap="none" baseline="0" dirty="0">
               <a:solidFill>
@@ -10983,7 +11000,33 @@
                 <a:sym typeface="Arial"/>
                 <a:rtl val="0"/>
               </a:rPr>
-              <a:t>Mihir Samdarshi*, John Lopez</a:t>
+              <a:t>Mihir Samdarshi*, </a:t>
+            </a:r>
+            <a:r>
+              <a:rPr lang="en-US" sz="4000" b="0" i="0" u="none" strike="noStrike" cap="none" baseline="0">
+                <a:solidFill>
+                  <a:schemeClr val="dk1"/>
+                </a:solidFill>
+                <a:latin typeface="Arial"/>
+                <a:ea typeface="Arial"/>
+                <a:cs typeface="Arial"/>
+                <a:sym typeface="Arial"/>
+                <a:rtl val="0"/>
+              </a:rPr>
+              <a:t>John </a:t>
+            </a:r>
+            <a:r>
+              <a:rPr lang="en-US" sz="4000" b="0" i="0" u="none" strike="noStrike" cap="none" baseline="0" smtClean="0">
+                <a:solidFill>
+                  <a:schemeClr val="dk1"/>
+                </a:solidFill>
+                <a:latin typeface="Arial"/>
+                <a:ea typeface="Arial"/>
+                <a:cs typeface="Arial"/>
+                <a:sym typeface="Arial"/>
+                <a:rtl val="0"/>
+              </a:rPr>
+              <a:t>L. Lopez</a:t>
             </a:r>
             <a:r>
               <a:rPr lang="en-US" sz="4000" dirty="0">
@@ -11289,7 +11332,46 @@
                 <a:sym typeface="Arial"/>
                 <a:rtl val="0"/>
               </a:rPr>
-              <a:t>The central dogma of molecular biology describes how the flow of information in a cell during gene expression goes from DNA to RNA to protein.</a:t>
+              <a:t>The </a:t>
+            </a:r>
+            <a:r>
+              <a:rPr lang="en-US" sz="2200" b="0" i="0" u="none" strike="noStrike" cap="none" baseline="0">
+                <a:solidFill>
+                  <a:srgbClr val="000000"/>
+                </a:solidFill>
+                <a:latin typeface="Arial"/>
+                <a:ea typeface="Arial"/>
+                <a:cs typeface="Arial"/>
+                <a:sym typeface="Arial"/>
+                <a:rtl val="0"/>
+              </a:rPr>
+              <a:t>central </a:t>
+            </a:r>
+            <a:r>
+              <a:rPr lang="en-US" sz="2200" b="0" i="0" u="none" strike="noStrike" cap="none" baseline="0" smtClean="0">
+                <a:solidFill>
+                  <a:srgbClr val="000000"/>
+                </a:solidFill>
+                <a:latin typeface="Arial"/>
+                <a:ea typeface="Arial"/>
+                <a:cs typeface="Arial"/>
+                <a:sym typeface="Arial"/>
+                <a:rtl val="0"/>
+              </a:rPr>
+              <a:t>model </a:t>
+            </a:r>
+            <a:r>
+              <a:rPr lang="en-US" sz="2200" b="0" i="0" u="none" strike="noStrike" cap="none" baseline="0" dirty="0">
+                <a:solidFill>
+                  <a:srgbClr val="000000"/>
+                </a:solidFill>
+                <a:latin typeface="Arial"/>
+                <a:ea typeface="Arial"/>
+                <a:cs typeface="Arial"/>
+                <a:sym typeface="Arial"/>
+                <a:rtl val="0"/>
+              </a:rPr>
+              <a:t>of molecular biology describes how the flow of information in a cell during gene expression goes from DNA to RNA to protein.</a:t>
             </a:r>
           </a:p>
           <a:p>
@@ -12102,115 +12184,72 @@
               <a:buChar char="•"/>
             </a:pPr>
             <a:r>
-              <a:rPr lang="en-US" sz="2200" dirty="0">
+              <a:rPr lang="en-US" sz="2200" smtClean="0">
                 <a:solidFill>
                   <a:schemeClr val="dk1"/>
                 </a:solidFill>
               </a:rPr>
-              <a:t>Calculate and present graph statistics, such as </a:t>
-            </a:r>
-            <a:r>
-              <a:rPr lang="en-US" sz="2200" dirty="0" err="1">
+              <a:t>Generate gene information pages for genes from species other than yeast.</a:t>
+            </a:r>
+          </a:p>
+          <a:p>
+            <a:pPr marL="236538" marR="0" lvl="0" indent="-236538" algn="l" rtl="0">
+              <a:lnSpc>
+                <a:spcPct val="100000"/>
+              </a:lnSpc>
+              <a:spcBef>
+                <a:spcPts val="0"/>
+              </a:spcBef>
+              <a:spcAft>
+                <a:spcPts val="0"/>
+              </a:spcAft>
+              <a:buClr>
+                <a:srgbClr val="003700"/>
+              </a:buClr>
+              <a:buSzPct val="100000"/>
+              <a:buFont typeface="Arial"/>
+              <a:buChar char="•"/>
+            </a:pPr>
+            <a:r>
+              <a:rPr lang="en-US" sz="2200" smtClean="0">
                 <a:solidFill>
                   <a:schemeClr val="dk1"/>
                 </a:solidFill>
               </a:rPr>
-              <a:t>betweenness</a:t>
-            </a:r>
-            <a:r>
-              <a:rPr lang="en-US" sz="2200" dirty="0">
+              <a:t>Automatically display GRNs from public databases, such as YEASTRACT, through API calls.  Automatically retrieve gene expression data.</a:t>
+            </a:r>
+          </a:p>
+          <a:p>
+            <a:pPr marL="236538" marR="0" lvl="0" indent="-236538" algn="l" rtl="0">
+              <a:lnSpc>
+                <a:spcPct val="100000"/>
+              </a:lnSpc>
+              <a:spcBef>
+                <a:spcPts val="0"/>
+              </a:spcBef>
+              <a:spcAft>
+                <a:spcPts val="0"/>
+              </a:spcAft>
+              <a:buClr>
+                <a:srgbClr val="003700"/>
+              </a:buClr>
+              <a:buSzPct val="100000"/>
+              <a:buFont typeface="Arial"/>
+              <a:buChar char="•"/>
+            </a:pPr>
+            <a:r>
+              <a:rPr lang="en-US" sz="2200" smtClean="0">
                 <a:solidFill>
                   <a:schemeClr val="dk1"/>
                 </a:solidFill>
               </a:rPr>
-              <a:t> centrality.</a:t>
-            </a:r>
-          </a:p>
-          <a:p>
-            <a:pPr marL="236538" marR="0" lvl="0" indent="-236538" algn="l" rtl="0">
-              <a:lnSpc>
-                <a:spcPct val="100000"/>
-              </a:lnSpc>
-              <a:spcBef>
-                <a:spcPts val="0"/>
-              </a:spcBef>
-              <a:spcAft>
-                <a:spcPts val="0"/>
-              </a:spcAft>
-              <a:buClr>
-                <a:srgbClr val="003700"/>
-              </a:buClr>
-              <a:buSzPct val="100000"/>
-              <a:buFont typeface="Arial"/>
-              <a:buChar char="•"/>
-            </a:pPr>
-            <a:r>
-              <a:rPr lang="en-US" sz="2200" b="0" i="0" u="none" strike="noStrike" cap="none" baseline="0" dirty="0">
-                <a:solidFill>
-                  <a:schemeClr val="dk1"/>
-                </a:solidFill>
-                <a:latin typeface="Arial"/>
-                <a:ea typeface="Arial"/>
-                <a:cs typeface="Arial"/>
-                <a:sym typeface="Arial"/>
-                <a:rtl val="0"/>
-              </a:rPr>
-              <a:t>Add new graph layout options.</a:t>
-            </a:r>
-          </a:p>
-          <a:p>
-            <a:pPr marL="236538" indent="-236538">
-              <a:buClr>
-                <a:srgbClr val="003700"/>
-              </a:buClr>
-              <a:buSzPct val="100000"/>
-              <a:buFont typeface="Arial"/>
-              <a:buChar char="•"/>
-            </a:pPr>
-            <a:r>
-              <a:rPr lang="en-US" sz="2200" dirty="0">
-                <a:solidFill>
-                  <a:schemeClr val="dk1"/>
-                </a:solidFill>
-              </a:rPr>
-              <a:t>Further expand and refine the unit testing framework.</a:t>
-            </a:r>
-          </a:p>
-          <a:p>
-            <a:pPr marL="236538" indent="-236538">
-              <a:buClr>
-                <a:srgbClr val="003700"/>
-              </a:buClr>
-              <a:buSzPct val="100000"/>
-              <a:buFont typeface="Arial"/>
-              <a:buChar char="•"/>
-            </a:pPr>
-            <a:r>
-              <a:rPr lang="en-US" sz="2200" dirty="0">
-                <a:solidFill>
-                  <a:schemeClr val="dk1"/>
-                </a:solidFill>
-              </a:rPr>
-              <a:t>Node coloring to represent gene expression data.</a:t>
-            </a:r>
-          </a:p>
-          <a:p>
-            <a:pPr marL="236538" indent="-236538">
-              <a:buClr>
-                <a:srgbClr val="003700"/>
-              </a:buClr>
-              <a:buSzPct val="100000"/>
-              <a:buFont typeface="Arial"/>
-              <a:buChar char="•"/>
-            </a:pPr>
-            <a:r>
-              <a:rPr lang="en-US" sz="2200" dirty="0">
-                <a:solidFill>
-                  <a:schemeClr val="dk1"/>
-                </a:solidFill>
-              </a:rPr>
-              <a:t>Changing the color palette for easier visualization by color blind users.</a:t>
-            </a:r>
+              <a:t>Export data to Excel (.xlsx) format to facilitate automatic creation of input workbooks for GRNmap.</a:t>
+            </a:r>
+            <a:endParaRPr lang="en-US" sz="2200" dirty="0">
+              <a:solidFill>
+                <a:schemeClr val="dk1"/>
+              </a:solidFill>
+            </a:endParaRPr>
           </a:p>
           <a:p>
             <a:pPr marL="236538" marR="0" lvl="0" indent="-236538" algn="l" rtl="0">
@@ -12350,8 +12389,57 @@
                 <a:sym typeface="Arial"/>
                 <a:rtl val="0"/>
               </a:rPr>
-              <a:t>the Loyola Marymount University Rains Research Assistant Program (M.S.)</a:t>
-            </a:r>
+              <a:t>the Loyola Marymount University Rains Research Assistant Program (</a:t>
+            </a:r>
+            <a:r>
+              <a:rPr lang="en-US" sz="2200" b="0" i="0" u="none" strike="noStrike" cap="none" baseline="0">
+                <a:solidFill>
+                  <a:srgbClr val="000000"/>
+                </a:solidFill>
+                <a:latin typeface="Arial"/>
+                <a:ea typeface="Arial"/>
+                <a:cs typeface="Arial"/>
+                <a:sym typeface="Arial"/>
+                <a:rtl val="0"/>
+              </a:rPr>
+              <a:t>M.S</a:t>
+            </a:r>
+            <a:r>
+              <a:rPr lang="en-US" sz="2200" b="0" i="0" u="none" strike="noStrike" cap="none" baseline="0" smtClean="0">
+                <a:solidFill>
+                  <a:srgbClr val="000000"/>
+                </a:solidFill>
+                <a:latin typeface="Arial"/>
+                <a:ea typeface="Arial"/>
+                <a:cs typeface="Arial"/>
+                <a:sym typeface="Arial"/>
+                <a:rtl val="0"/>
+              </a:rPr>
+              <a:t>.), and LMU</a:t>
+            </a:r>
+            <a:r>
+              <a:rPr lang="en-US" sz="2200" b="0" i="0" u="none" strike="noStrike" cap="none" smtClean="0">
+                <a:solidFill>
+                  <a:srgbClr val="000000"/>
+                </a:solidFill>
+                <a:latin typeface="Arial"/>
+                <a:ea typeface="Arial"/>
+                <a:cs typeface="Arial"/>
+                <a:sym typeface="Arial"/>
+                <a:rtl val="0"/>
+              </a:rPr>
+              <a:t> SURP (J.L.L.)</a:t>
+            </a:r>
+            <a:endParaRPr lang="en-US" sz="2200" b="0" i="0" u="none" strike="noStrike" cap="none" baseline="0" dirty="0">
+              <a:solidFill>
+                <a:srgbClr val="000000"/>
+              </a:solidFill>
+              <a:latin typeface="Arial"/>
+              <a:ea typeface="Arial"/>
+              <a:cs typeface="Arial"/>
+              <a:sym typeface="Arial"/>
+              <a:rtl val="0"/>
+            </a:endParaRPr>
           </a:p>
         </p:txBody>
       </p:sp>
@@ -12391,7 +12479,7 @@
               <a:buChar char="•"/>
             </a:pPr>
             <a:r>
-              <a:rPr lang="en-US" sz="1150"/>
+              <a:rPr lang="en-US"/>
               <a:t>Cytoscape: http://cytoscape.org</a:t>
             </a:r>
           </a:p>
@@ -12405,63 +12493,63 @@
               <a:buChar char="•"/>
             </a:pPr>
             <a:r>
-              <a:rPr lang="en-US" sz="1150"/>
+              <a:rPr lang="en-US"/>
               <a:t>Dahlquist</a:t>
             </a:r>
             <a:r>
-              <a:rPr lang="en-US" sz="1150" dirty="0"/>
+              <a:rPr lang="en-US" dirty="0"/>
               <a:t>, K.D., </a:t>
             </a:r>
             <a:r>
-              <a:rPr lang="en-US" sz="1150" dirty="0" err="1"/>
+              <a:rPr lang="en-US" dirty="0" err="1"/>
               <a:t>Dionisio</a:t>
             </a:r>
             <a:r>
-              <a:rPr lang="en-US" sz="1150" dirty="0"/>
+              <a:rPr lang="en-US" dirty="0"/>
               <a:t>, J.D.N., Fitzpatrick, B.G., Anguiano, N.A., </a:t>
             </a:r>
             <a:r>
-              <a:rPr lang="en-US" sz="1150" dirty="0" err="1"/>
+              <a:rPr lang="en-US" dirty="0" err="1"/>
               <a:t>Varshneya</a:t>
             </a:r>
             <a:r>
-              <a:rPr lang="en-US" sz="1150" dirty="0"/>
+              <a:rPr lang="en-US" dirty="0"/>
               <a:t>, A., Southwick, B.J., </a:t>
             </a:r>
             <a:r>
-              <a:rPr lang="en-US" sz="1150" dirty="0" err="1"/>
+              <a:rPr lang="en-US" dirty="0" err="1"/>
               <a:t>Samdarshi</a:t>
             </a:r>
             <a:r>
-              <a:rPr lang="en-US" sz="1150" dirty="0"/>
+              <a:rPr lang="en-US" dirty="0"/>
               <a:t>, M. (2016) </a:t>
             </a:r>
             <a:r>
-              <a:rPr lang="en-US" sz="1150" dirty="0" err="1"/>
+              <a:rPr lang="en-US" dirty="0" err="1"/>
               <a:t>GRNsight</a:t>
             </a:r>
             <a:r>
-              <a:rPr lang="en-US" sz="1150" dirty="0"/>
+              <a:rPr lang="en-US" dirty="0"/>
               <a:t>: a web application and service for visualizing models of small- to medium-scale gene regulatory networks. </a:t>
             </a:r>
             <a:r>
-              <a:rPr lang="en-US" sz="1150" i="1" dirty="0" err="1"/>
+              <a:rPr lang="en-US" i="1" dirty="0" err="1"/>
               <a:t>PeerJ</a:t>
             </a:r>
             <a:r>
-              <a:rPr lang="en-US" sz="1150" i="1" dirty="0"/>
+              <a:rPr lang="en-US" i="1" dirty="0"/>
               <a:t> Computer Science</a:t>
             </a:r>
             <a:r>
-              <a:rPr lang="en-US" sz="1150" dirty="0"/>
+              <a:rPr lang="en-US" dirty="0"/>
               <a:t> 2:e85</a:t>
             </a:r>
             <a:r>
-              <a:rPr lang="en-US" sz="1150"/>
+              <a:rPr lang="en-US"/>
               <a:t>. DOI: </a:t>
             </a:r>
             <a:r>
-              <a:rPr lang="en-US" sz="1150" dirty="0"/>
+              <a:rPr lang="en-US" dirty="0"/>
               <a:t>10.7717/peerj-cs.85).</a:t>
             </a:r>
           </a:p>
@@ -12475,43 +12563,43 @@
               <a:buChar char="•"/>
             </a:pPr>
             <a:r>
-              <a:rPr lang="en-US" sz="1150" dirty="0" err="1"/>
+              <a:rPr lang="en-US" dirty="0" err="1"/>
               <a:t>Dahlquist</a:t>
             </a:r>
             <a:r>
-              <a:rPr lang="en-US" sz="1150" dirty="0"/>
+              <a:rPr lang="en-US" dirty="0"/>
               <a:t>, K.D., Fitzpatrick, B.G., Camacho, E.T., </a:t>
             </a:r>
             <a:r>
-              <a:rPr lang="en-US" sz="1150" dirty="0" err="1"/>
+              <a:rPr lang="en-US" dirty="0" err="1"/>
               <a:t>Entzminger</a:t>
             </a:r>
             <a:r>
-              <a:rPr lang="en-US" sz="1150" dirty="0"/>
+              <a:rPr lang="en-US" dirty="0"/>
               <a:t>, S.D., and </a:t>
             </a:r>
             <a:r>
-              <a:rPr lang="en-US" sz="1150" dirty="0" err="1"/>
+              <a:rPr lang="en-US" dirty="0" err="1"/>
               <a:t>Wanner</a:t>
             </a:r>
             <a:r>
-              <a:rPr lang="en-US" sz="1150" dirty="0"/>
+              <a:rPr lang="en-US" dirty="0"/>
               <a:t>, N.C. (2015) Parameter Estimation for Gene Regulatory Networks from Microarray Data: Cold Shock Response in Saccharomyces cerevisiae. </a:t>
             </a:r>
             <a:r>
-              <a:rPr lang="en-US" sz="1150" i="1" dirty="0"/>
+              <a:rPr lang="en-US" i="1" dirty="0"/>
               <a:t>Bulletin of Mathematical Biology</a:t>
             </a:r>
             <a:r>
-              <a:rPr lang="en-US" sz="1150" dirty="0"/>
+              <a:rPr lang="en-US" dirty="0"/>
               <a:t>, </a:t>
             </a:r>
             <a:r>
-              <a:rPr lang="en-US" sz="1150" i="1" dirty="0"/>
+              <a:rPr lang="en-US" i="1" dirty="0"/>
               <a:t>77</a:t>
             </a:r>
             <a:r>
-              <a:rPr lang="en-US" sz="1150" dirty="0"/>
+              <a:rPr lang="en-US" dirty="0"/>
               <a:t>(8), 1457-1492, DOI: 10.1007/s11538-015-0092-6</a:t>
             </a:r>
           </a:p>
@@ -12525,7 +12613,7 @@
               <a:buChar char="•"/>
             </a:pPr>
             <a:r>
-              <a:rPr lang="en-US" sz="1150" dirty="0"/>
+              <a:rPr lang="en-US" dirty="0"/>
               <a:t>D3.js: http://d3js.org/</a:t>
             </a:r>
           </a:p>
@@ -12539,23 +12627,23 @@
               <a:buChar char="•"/>
             </a:pPr>
             <a:r>
-              <a:rPr lang="en-US" sz="1150"/>
+              <a:rPr lang="en-US"/>
               <a:t>Freeman, S., (2002). </a:t>
             </a:r>
             <a:r>
-              <a:rPr lang="en-US" sz="1150" i="1"/>
+              <a:rPr lang="en-US" i="1"/>
               <a:t>Biological science</a:t>
             </a:r>
             <a:r>
-              <a:rPr lang="en-US" sz="1150"/>
+              <a:rPr lang="en-US"/>
               <a:t>, 1</a:t>
             </a:r>
             <a:r>
-              <a:rPr lang="en-US" sz="1150" baseline="30000"/>
+              <a:rPr lang="en-US" baseline="30000"/>
               <a:t>st</a:t>
             </a:r>
             <a:r>
-              <a:rPr lang="en-US" sz="1150"/>
+              <a:rPr lang="en-US"/>
               <a:t> edition. Upper Saddle River, NJ:: Prentice Hall.</a:t>
             </a:r>
           </a:p>
@@ -12569,7 +12657,7 @@
               <a:buChar char="•"/>
             </a:pPr>
             <a:r>
-              <a:rPr lang="en-US" sz="1150"/>
+              <a:rPr lang="en-US"/>
               <a:t>Gephi: https://gephi.org</a:t>
             </a:r>
           </a:p>
@@ -12583,74 +12671,32 @@
               <a:buChar char="•"/>
             </a:pPr>
             <a:r>
-              <a:rPr lang="en-US" sz="1150"/>
+              <a:rPr lang="en-US"/>
               <a:t>GRNmap</a:t>
             </a:r>
             <a:r>
-              <a:rPr lang="en-US" sz="1150" dirty="0"/>
+              <a:rPr lang="en-US" dirty="0"/>
               <a:t>: </a:t>
             </a:r>
             <a:r>
-              <a:rPr lang="en-US" sz="1150" dirty="0">
+              <a:rPr lang="en-US" dirty="0">
                 <a:hlinkClick r:id="rId6"/>
               </a:rPr>
-              <a:t>http://kdahlquist.github.io/GRNmap/</a:t>
-            </a:r>
-            <a:endParaRPr lang="en-US" sz="1150" dirty="0"/>
-          </a:p>
-          <a:p>
-            <a:pPr marL="236538" indent="-236538">
-              <a:buClr>
-                <a:srgbClr val="003700"/>
-              </a:buClr>
-              <a:buSzPct val="100000"/>
-              <a:buFont typeface="Arial"/>
-              <a:buChar char="•"/>
-            </a:pPr>
-            <a:r>
-              <a:rPr lang="en-US" sz="1150" dirty="0"/>
-              <a:t>Teixeira, M. C., Monteiro, P. T., </a:t>
-            </a:r>
-            <a:r>
-              <a:rPr lang="en-US" sz="1150" dirty="0" err="1"/>
-              <a:t>Guerreiro</a:t>
-            </a:r>
-            <a:r>
-              <a:rPr lang="en-US" sz="1150" dirty="0"/>
-              <a:t>, J. F., </a:t>
-            </a:r>
-            <a:r>
-              <a:rPr lang="en-US" sz="1150" dirty="0" err="1"/>
-              <a:t>Gonçalves</a:t>
-            </a:r>
-            <a:r>
-              <a:rPr lang="en-US" sz="1150" dirty="0"/>
-              <a:t>, J. P., Mira, N. P., dos Santos, S. C., ... &amp; Madeira, S. C. (2014). The YEASTRACT database: an upgraded information system for the analysis of gene and genomic transcription regulation in Saccharomyces cerevisiae. </a:t>
-            </a:r>
-            <a:r>
-              <a:rPr lang="en-US" sz="1150" i="1" dirty="0"/>
-              <a:t>Nucleic Acids Research</a:t>
-            </a:r>
-            <a:r>
-              <a:rPr lang="en-US" sz="1150" dirty="0"/>
-              <a:t>, </a:t>
-            </a:r>
-            <a:r>
-              <a:rPr lang="en-US" sz="1150" i="1" dirty="0"/>
-              <a:t>42</a:t>
-            </a:r>
-            <a:r>
-              <a:rPr lang="en-US" sz="1150" dirty="0"/>
-              <a:t>(D1), D161-D166, DOI: 10.1093/</a:t>
-            </a:r>
-            <a:r>
-              <a:rPr lang="en-US" sz="1150" dirty="0" err="1"/>
-              <a:t>nar</a:t>
-            </a:r>
-            <a:r>
-              <a:rPr lang="en-US" sz="1150" dirty="0"/>
-              <a:t>/gkt1015</a:t>
-            </a:r>
+              <a:t>http://</a:t>
+            </a:r>
+            <a:r>
+              <a:rPr lang="en-US">
+                <a:hlinkClick r:id="rId6"/>
+              </a:rPr>
+              <a:t>kdahlquist.github.io/GRNmap</a:t>
+            </a:r>
+            <a:r>
+              <a:rPr lang="en-US" smtClean="0">
+                <a:hlinkClick r:id="rId6"/>
+              </a:rPr>
+              <a:t>/</a:t>
+            </a:r>
+            <a:endParaRPr lang="en-US" dirty="0"/>
           </a:p>
         </p:txBody>
       </p:sp>
@@ -13031,8 +13077,16 @@
               <a:t>Gephi</a:t>
             </a:r>
             <a:r>
+              <a:rPr lang="en-US" sz="2400"/>
+              <a:t>, </a:t>
+            </a:r>
+            <a:r>
+              <a:rPr lang="en-US" sz="2400" smtClean="0"/>
+              <a:t>exist </a:t>
+            </a:r>
+            <a:r>
               <a:rPr lang="en-US" sz="2400" dirty="0"/>
-              <a:t>, exists to lay out large networks, they were too cumbersome for our needs.</a:t>
+              <a:t>to lay out large networks, they were too cumbersome for our needs.</a:t>
             </a:r>
           </a:p>
           <a:p>
@@ -13465,8 +13519,8 @@
         </p:nvSpPr>
         <p:spPr>
           <a:xfrm>
-            <a:off x="11964697" y="7196023"/>
-            <a:ext cx="6637725" cy="11849398"/>
+            <a:off x="11961989" y="7196023"/>
+            <a:ext cx="6651889" cy="11603176"/>
           </a:xfrm>
           <a:prstGeom prst="rect">
             <a:avLst/>
@@ -13490,7 +13544,7 @@
             </a:r>
           </a:p>
           <a:p>
-            <a:pPr marL="176213" lvl="0" indent="-168275">
+            <a:pPr marL="457200" lvl="0" indent="-233363">
               <a:buClr>
                 <a:schemeClr val="dk1"/>
               </a:buClr>
@@ -13524,7 +13578,7 @@
             </a:r>
           </a:p>
           <a:p>
-            <a:pPr marL="176213" lvl="0" indent="-168275">
+            <a:pPr marL="457200" lvl="0" indent="-233363">
               <a:buClr>
                 <a:schemeClr val="dk1"/>
               </a:buClr>
@@ -13538,8 +13592,37 @@
                   <a:schemeClr val="dk1"/>
                 </a:solidFill>
               </a:rPr>
-              <a:t>Demo files with weighted and unweighted graphs.</a:t>
-            </a:r>
+              <a:t>Demo </a:t>
+            </a:r>
+            <a:r>
+              <a:rPr lang="en-US" sz="2000">
+                <a:solidFill>
+                  <a:schemeClr val="dk1"/>
+                </a:solidFill>
+              </a:rPr>
+              <a:t>files </a:t>
+            </a:r>
+            <a:r>
+              <a:rPr lang="en-US" sz="2000" smtClean="0">
+                <a:solidFill>
+                  <a:schemeClr val="dk1"/>
+                </a:solidFill>
+              </a:rPr>
+              <a:t>are provided</a:t>
+            </a:r>
+            <a:r>
+              <a:rPr lang="en-US" sz="2000" smtClean="0">
+                <a:solidFill>
+                  <a:schemeClr val="dk1"/>
+                </a:solidFill>
+              </a:rPr>
+              <a:t>.</a:t>
+            </a:r>
+            <a:endParaRPr lang="en-US" sz="2000" dirty="0">
+              <a:solidFill>
+                <a:schemeClr val="dk1"/>
+              </a:solidFill>
+            </a:endParaRPr>
           </a:p>
           <a:p>
             <a:pPr marL="176213" lvl="0" indent="-168275">
@@ -13573,7 +13656,7 @@
             </a:r>
           </a:p>
           <a:p>
-            <a:pPr marL="176213" lvl="0" indent="-168275">
+            <a:pPr marL="457200" lvl="0" indent="-233363">
               <a:buClr>
                 <a:schemeClr val="dk1"/>
               </a:buClr>
@@ -13587,8 +13670,29 @@
                   <a:schemeClr val="dk1"/>
                 </a:solidFill>
               </a:rPr>
-              <a:t>Grid Layout button allows the users to toggle the graph between a grid layout and a force graph.</a:t>
-            </a:r>
+              <a:t>Grid Layout button allows the users to toggle the graph between a grid layout and a </a:t>
+            </a:r>
+            <a:r>
+              <a:rPr lang="en-US" sz="2000">
+                <a:solidFill>
+                  <a:schemeClr val="dk1"/>
+                </a:solidFill>
+              </a:rPr>
+              <a:t>force </a:t>
+            </a:r>
+            <a:r>
+              <a:rPr lang="en-US" sz="2000" smtClean="0">
+                <a:solidFill>
+                  <a:schemeClr val="dk1"/>
+                </a:solidFill>
+              </a:rPr>
+              <a:t>graph layout.</a:t>
+            </a:r>
+            <a:endParaRPr lang="en-US" sz="2000" dirty="0">
+              <a:solidFill>
+                <a:schemeClr val="dk1"/>
+              </a:solidFill>
+            </a:endParaRPr>
           </a:p>
           <a:p>
             <a:pPr marL="176213" lvl="0" indent="-168275">
@@ -13622,7 +13726,7 @@
             </a:r>
           </a:p>
           <a:p>
-            <a:pPr marL="176213" lvl="0" indent="-168275">
+            <a:pPr marL="457200" lvl="0" indent="-233363">
               <a:buClr>
                 <a:schemeClr val="dk1"/>
               </a:buClr>
@@ -13640,7 +13744,7 @@
             </a:r>
           </a:p>
           <a:p>
-            <a:pPr marL="176213" lvl="0" indent="-168275">
+            <a:pPr marL="457200" lvl="0" indent="-233363">
               <a:buClr>
                 <a:schemeClr val="dk1"/>
               </a:buClr>
@@ -13654,7 +13758,31 @@
                   <a:schemeClr val="dk1"/>
                 </a:solidFill>
               </a:rPr>
-              <a:t>Dataset options are automatically generated from expression sheets detected in an Excel input workbook.</a:t>
+              <a:t>Dataset options are automatically generated from </a:t>
+            </a:r>
+            <a:r>
+              <a:rPr lang="en-US" sz="2000">
+                <a:solidFill>
+                  <a:schemeClr val="dk1"/>
+                </a:solidFill>
+              </a:rPr>
+              <a:t>expression </a:t>
+            </a:r>
+            <a:r>
+              <a:rPr lang="en-US" sz="2000" smtClean="0">
+                <a:solidFill>
+                  <a:schemeClr val="dk1"/>
+                </a:solidFill>
+              </a:rPr>
+              <a:t>data sheets </a:t>
+            </a:r>
+            <a:r>
+              <a:rPr lang="en-US" sz="2000" dirty="0">
+                <a:solidFill>
+                  <a:schemeClr val="dk1"/>
+                </a:solidFill>
+              </a:rPr>
+              <a:t>detected in an Excel input workbook.</a:t>
             </a:r>
           </a:p>
           <a:p>
@@ -13690,7 +13818,7 @@
             </a:endParaRPr>
           </a:p>
           <a:p>
-            <a:pPr marL="233363" lvl="0" indent="-227013">
+            <a:pPr marL="457200" lvl="0" indent="-227013">
               <a:buClr>
                 <a:schemeClr val="dk1"/>
               </a:buClr>
@@ -13708,7 +13836,7 @@
             </a:r>
           </a:p>
           <a:p>
-            <a:pPr marL="233363" lvl="0" indent="-227013">
+            <a:pPr marL="457200" lvl="0" indent="-227013">
               <a:buClr>
                 <a:schemeClr val="dk1"/>
               </a:buClr>
@@ -13722,11 +13850,35 @@
                   <a:schemeClr val="dk1"/>
                 </a:solidFill>
               </a:rPr>
-              <a:t>Nodes have a charge, which repel or attracts other nodes.</a:t>
-            </a:r>
-          </a:p>
-          <a:p>
-            <a:pPr marL="233363" lvl="0" indent="-227013">
+              <a:t>Nodes have a charge, which repel </a:t>
+            </a:r>
+            <a:r>
+              <a:rPr lang="en-US" sz="2000">
+                <a:solidFill>
+                  <a:schemeClr val="dk1"/>
+                </a:solidFill>
+              </a:rPr>
+              <a:t>or </a:t>
+            </a:r>
+            <a:r>
+              <a:rPr lang="en-US" sz="2000" smtClean="0">
+                <a:solidFill>
+                  <a:schemeClr val="dk1"/>
+                </a:solidFill>
+              </a:rPr>
+              <a:t>attract </a:t>
+            </a:r>
+            <a:r>
+              <a:rPr lang="en-US" sz="2000" dirty="0">
+                <a:solidFill>
+                  <a:schemeClr val="dk1"/>
+                </a:solidFill>
+              </a:rPr>
+              <a:t>other nodes.</a:t>
+            </a:r>
+          </a:p>
+          <a:p>
+            <a:pPr marL="457200" lvl="0" indent="-227013">
               <a:buClr>
                 <a:schemeClr val="dk1"/>
               </a:buClr>
@@ -13744,7 +13896,7 @@
             </a:r>
           </a:p>
           <a:p>
-            <a:pPr marL="233363" lvl="0" indent="-227013">
+            <a:pPr marL="457200" lvl="0" indent="-227013">
               <a:buClr>
                 <a:schemeClr val="dk1"/>
               </a:buClr>
@@ -13789,7 +13941,7 @@
             </a:r>
           </a:p>
           <a:p>
-            <a:pPr marL="233363" lvl="0" indent="-227013">
+            <a:pPr marL="457200" lvl="0" indent="-227013">
               <a:buClr>
                 <a:schemeClr val="dk1"/>
               </a:buClr>
@@ -13803,11 +13955,35 @@
                   <a:schemeClr val="dk1"/>
                 </a:solidFill>
               </a:rPr>
-              <a:t>Graph bounding box can be  separated from viewport.</a:t>
-            </a:r>
-          </a:p>
-          <a:p>
-            <a:pPr marL="233363" indent="-227013">
+              <a:t>Graph bounding box </a:t>
+            </a:r>
+            <a:r>
+              <a:rPr lang="en-US" sz="2000">
+                <a:solidFill>
+                  <a:schemeClr val="dk1"/>
+                </a:solidFill>
+              </a:rPr>
+              <a:t>can </a:t>
+            </a:r>
+            <a:r>
+              <a:rPr lang="en-US" sz="2000" smtClean="0">
+                <a:solidFill>
+                  <a:schemeClr val="dk1"/>
+                </a:solidFill>
+              </a:rPr>
+              <a:t>be </a:t>
+            </a:r>
+            <a:r>
+              <a:rPr lang="en-US" sz="2000" dirty="0">
+                <a:solidFill>
+                  <a:schemeClr val="dk1"/>
+                </a:solidFill>
+              </a:rPr>
+              <a:t>separated from viewport.</a:t>
+            </a:r>
+          </a:p>
+          <a:p>
+            <a:pPr marL="457200" indent="-227013">
               <a:buClr>
                 <a:schemeClr val="dk1"/>
               </a:buClr>
@@ -13825,7 +14001,7 @@
             </a:r>
           </a:p>
           <a:p>
-            <a:pPr marL="233363" lvl="0" indent="-227013">
+            <a:pPr marL="457200" lvl="0" indent="-227013">
               <a:buClr>
                 <a:schemeClr val="dk1"/>
               </a:buClr>
@@ -13833,13 +14009,37 @@
               <a:buFont typeface="Arial"/>
               <a:buChar char="•"/>
             </a:pPr>
+            <a:r>
+              <a:rPr lang="en-US" sz="2000" smtClean="0">
+                <a:solidFill>
+                  <a:schemeClr val="dk1"/>
+                </a:solidFill>
+              </a:rPr>
+              <a:t>Zooming </a:t>
+            </a:r>
+            <a:r>
+              <a:rPr lang="en-US" sz="2000">
+                <a:solidFill>
+                  <a:schemeClr val="dk1"/>
+                </a:solidFill>
+              </a:rPr>
+              <a:t>and </a:t>
+            </a:r>
+            <a:r>
+              <a:rPr lang="en-US" sz="2000" smtClean="0">
+                <a:solidFill>
+                  <a:schemeClr val="dk1"/>
+                </a:solidFill>
+              </a:rPr>
+              <a:t>scrolling </a:t>
+            </a:r>
             <a:r>
               <a:rPr lang="en-US" sz="2000" dirty="0">
                 <a:solidFill>
                   <a:schemeClr val="dk1"/>
                 </a:solidFill>
               </a:rPr>
-              <a:t>Zoom and Scrolling enabled.</a:t>
+              <a:t>enabled.</a:t>
             </a:r>
           </a:p>
           <a:p>
@@ -13856,7 +14056,7 @@
             </a:endParaRPr>
           </a:p>
           <a:p>
-            <a:pPr>
+            <a:pPr marL="288925" indent="-288925">
               <a:buClr>
                 <a:srgbClr val="000000"/>
               </a:buClr>
@@ -13873,7 +14073,7 @@
             <a:endParaRPr lang="en-US" sz="2000" dirty="0"/>
           </a:p>
           <a:p>
-            <a:pPr marL="236538" lvl="0" indent="-236538">
+            <a:pPr marL="457200" lvl="0" indent="-236538">
               <a:buClr>
                 <a:srgbClr val="000000"/>
               </a:buClr>
@@ -13882,8 +14082,16 @@
               <a:buChar char="•"/>
             </a:pPr>
             <a:r>
+              <a:rPr lang="en-US" sz="2000"/>
+              <a:t>Buttons </a:t>
+            </a:r>
+            <a:r>
+              <a:rPr lang="en-US" sz="2000" smtClean="0"/>
+              <a:t>enable </a:t>
+            </a:r>
+            <a:r>
               <a:rPr lang="en-US" sz="2000" dirty="0"/>
-              <a:t>Buttons that enable the user to always see edge weights, never see edge weights, or see edge weights upon mouseover of the edges.</a:t>
+              <a:t>the user to always see edge weights, never see edge weights, or see edge weights upon mouseover of the edges.</a:t>
             </a:r>
           </a:p>
           <a:p>
@@ -13934,7 +14142,7 @@
             </a:endParaRPr>
           </a:p>
           <a:p>
-            <a:pPr marL="233363" lvl="0" indent="-227013">
+            <a:pPr marL="457200" lvl="0" indent="-227013">
               <a:buClr>
                 <a:schemeClr val="dk1"/>
               </a:buClr>
@@ -13952,7 +14160,7 @@
             </a:r>
           </a:p>
           <a:p>
-            <a:pPr marL="233363" lvl="0" indent="-227013">
+            <a:pPr marL="457200" lvl="0" indent="-227013">
               <a:buClr>
                 <a:schemeClr val="dk1"/>
               </a:buClr>
@@ -13970,7 +14178,7 @@
             </a:r>
           </a:p>
           <a:p>
-            <a:pPr marL="233363" lvl="0" indent="-227013">
+            <a:pPr marL="457200" lvl="0" indent="-227013">
               <a:buClr>
                 <a:schemeClr val="dk1"/>
               </a:buClr>
@@ -13984,26 +14192,29 @@
                   <a:schemeClr val="dk1"/>
                 </a:solidFill>
               </a:rPr>
-              <a:t>Facilitates accurate visual comparison.</a:t>
-            </a:r>
-          </a:p>
-          <a:p>
-            <a:pPr marL="233363" lvl="0" indent="-227013">
-              <a:buClr>
-                <a:schemeClr val="dk1"/>
-              </a:buClr>
-              <a:buSzPct val="100000"/>
-              <a:buFont typeface="Arial"/>
-              <a:buChar char="•"/>
-            </a:pPr>
-            <a:r>
-              <a:rPr lang="en-US" sz="2000" dirty="0">
+              <a:t>Facilitates accurate visual </a:t>
+            </a:r>
+            <a:r>
+              <a:rPr lang="en-US" sz="2000">
                 <a:solidFill>
                   <a:schemeClr val="dk1"/>
                 </a:solidFill>
               </a:rPr>
-              <a:t>A comparison between a graph with no normalization applied to it, and a graph with a normalization factor of 3 are shown.</a:t>
-            </a:r>
+              <a:t>comparison</a:t>
+            </a:r>
+            <a:r>
+              <a:rPr lang="en-US" sz="2000" smtClean="0">
+                <a:solidFill>
+                  <a:schemeClr val="dk1"/>
+                </a:solidFill>
+              </a:rPr>
+              <a:t>.</a:t>
+            </a:r>
+            <a:endParaRPr lang="en-US" sz="2000" dirty="0">
+              <a:solidFill>
+                <a:schemeClr val="dk1"/>
+              </a:solidFill>
+            </a:endParaRPr>
           </a:p>
         </p:txBody>
       </p:sp>
@@ -14021,8 +14232,8 @@
         </p:nvSpPr>
         <p:spPr>
           <a:xfrm>
-            <a:off x="21791159" y="16348816"/>
-            <a:ext cx="10120827" cy="2862322"/>
+            <a:off x="24660406" y="14181779"/>
+            <a:ext cx="7479067" cy="3785652"/>
           </a:xfrm>
           <a:prstGeom prst="rect">
             <a:avLst/>
@@ -14046,9 +14257,12 @@
             </a:r>
           </a:p>
           <a:p>
-            <a:pPr marL="233363" indent="-233363">
+            <a:pPr marL="457200" indent="-228600">
               <a:buFont typeface="Arial" pitchFamily="34" charset="0"/>
               <a:buChar char="•"/>
+              <a:tabLst>
+                <a:tab pos="457200" algn="l"/>
+              </a:tabLst>
             </a:pPr>
             <a:r>
               <a:rPr lang="en-US" sz="2000" dirty="0"/>
@@ -14056,9 +14270,12 @@
             </a:r>
           </a:p>
           <a:p>
-            <a:pPr marL="233363" indent="-233363">
+            <a:pPr marL="457200" indent="-228600">
               <a:buFont typeface="Arial" charset="0"/>
               <a:buChar char="•"/>
+              <a:tabLst>
+                <a:tab pos="457200" algn="l"/>
+              </a:tabLst>
             </a:pPr>
             <a:r>
               <a:rPr lang="en-US" sz="2000" dirty="0"/>
@@ -14066,24 +14283,73 @@
             </a:r>
           </a:p>
           <a:p>
-            <a:pPr marL="228600" indent="-228600">
+            <a:pPr marL="457200" indent="-228600">
               <a:buFont typeface="Arial" charset="0"/>
               <a:buChar char="•"/>
+              <a:tabLst>
+                <a:tab pos="457200" algn="l"/>
+              </a:tabLst>
             </a:pPr>
             <a:r>
               <a:rPr lang="en-US" sz="2000" dirty="0"/>
-              <a:t>By default, edges are colored gray if the magnitude of its value is &lt;= 5% of the maximum edge weight value.</a:t>
-            </a:r>
-          </a:p>
-          <a:p>
-            <a:pPr marL="228600" indent="-228600">
+              <a:t>By default, edges are colored gray if the magnitude of its value is &lt;= 5% </a:t>
+            </a:r>
+            <a:r>
+              <a:rPr lang="en-US" sz="2000"/>
+              <a:t>of </a:t>
+            </a:r>
+            <a:r>
+              <a:rPr lang="en-US" sz="2000" smtClean="0"/>
+              <a:t>the absolute value of the </a:t>
+            </a:r>
+            <a:r>
+              <a:rPr lang="en-US" sz="2000" dirty="0"/>
+              <a:t>maximum </a:t>
+            </a:r>
+            <a:r>
+              <a:rPr lang="en-US" sz="2000"/>
+              <a:t>edge </a:t>
+            </a:r>
+            <a:r>
+              <a:rPr lang="en-US" sz="2000" smtClean="0"/>
+              <a:t>weight.</a:t>
+            </a:r>
+            <a:endParaRPr lang="en-US" sz="2000" dirty="0"/>
+          </a:p>
+          <a:p>
+            <a:pPr marL="457200" indent="-228600">
               <a:buFont typeface="Arial" pitchFamily="34" charset="0"/>
               <a:buChar char="•"/>
+              <a:tabLst>
+                <a:tab pos="457200" algn="l"/>
+              </a:tabLst>
             </a:pPr>
             <a:r>
               <a:rPr lang="en-US" sz="2000" dirty="0"/>
-              <a:t>As the threshold value increases, only the highest magnitude regulatory relationships are rendered in color.</a:t>
-            </a:r>
+              <a:t>As the threshold value increases, only the highest magnitude regulatory relationships are rendered in </a:t>
+            </a:r>
+            <a:r>
+              <a:rPr lang="en-US" sz="2000"/>
+              <a:t>color</a:t>
+            </a:r>
+            <a:r>
+              <a:rPr lang="en-US" sz="2000" smtClean="0"/>
+              <a:t>.</a:t>
+            </a:r>
+          </a:p>
+          <a:p>
+            <a:pPr marL="457200" indent="-228600">
+              <a:buFont typeface="Arial" pitchFamily="34" charset="0"/>
+              <a:buChar char="•"/>
+              <a:tabLst>
+                <a:tab pos="457200" algn="l"/>
+              </a:tabLst>
+            </a:pPr>
+            <a:r>
+              <a:rPr lang="en-US" sz="2000" smtClean="0"/>
+              <a:t>Gray edges can also be rendered as dashed lines to further distinguish the edges.</a:t>
+            </a:r>
+            <a:endParaRPr lang="en-US" sz="2000" dirty="0"/>
           </a:p>
           <a:p>
             <a:pPr marL="233363" indent="-233363">
@@ -14981,7 +15247,7 @@
       </p:pic>
       <p:pic>
         <p:nvPicPr>
-          <p:cNvPr id="59" name="Picture 58" descr="A screenshot of a cell phone&#13;&#10;&#13;&#10;Description automatically generated">
+          <p:cNvPr id="59" name="Picture 58" descr="A screenshot of a cell phone&#10;&#10;Description automatically generated">
             <a:extLst>
               <a:ext uri="{FF2B5EF4-FFF2-40B4-BE49-F238E27FC236}">
                 <a16:creationId xmlns:a16="http://schemas.microsoft.com/office/drawing/2014/main" id="{210F0BA3-2B96-8745-926F-92B15EC9937D}"/>
@@ -15090,7 +15356,7 @@
       </p:sp>
       <p:pic>
         <p:nvPicPr>
-          <p:cNvPr id="79" name="Picture 78" descr="A screenshot of a cell phone&#13;&#10;&#13;&#10;Description automatically generated">
+          <p:cNvPr id="79" name="Picture 78" descr="A screenshot of a cell phone&#10;&#10;Description automatically generated">
             <a:extLst>
               <a:ext uri="{FF2B5EF4-FFF2-40B4-BE49-F238E27FC236}">
                 <a16:creationId xmlns:a16="http://schemas.microsoft.com/office/drawing/2014/main" id="{7784892C-4201-2242-9893-63CDDAEF75A1}"/>
@@ -17244,7 +17510,44 @@
                   <a:srgbClr val="017C00"/>
                 </a:solidFill>
               </a:rPr>
-              <a:t>Node Coloring Visualization for Gene Expression Data</a:t>
+              <a:t>Node Coloring Visualization </a:t>
+            </a:r>
+            <a:r>
+              <a:rPr lang="en-US" sz="3600">
+                <a:solidFill>
+                  <a:srgbClr val="017C00"/>
+                </a:solidFill>
+              </a:rPr>
+              <a:t>for </a:t>
+            </a:r>
+            <a:endParaRPr lang="en-US" sz="3600" smtClean="0">
+              <a:solidFill>
+                <a:srgbClr val="017C00"/>
+              </a:solidFill>
+            </a:endParaRPr>
+          </a:p>
+          <a:p>
+            <a:pPr algn="ctr">
+              <a:buClr>
+                <a:srgbClr val="017C00"/>
+              </a:buClr>
+              <a:buSzPct val="25000"/>
+            </a:pPr>
+            <a:r>
+              <a:rPr lang="en-US" sz="3600" smtClean="0">
+                <a:solidFill>
+                  <a:srgbClr val="017C00"/>
+                </a:solidFill>
+              </a:rPr>
+              <a:t>Gene </a:t>
+            </a:r>
+            <a:r>
+              <a:rPr lang="en-US" sz="3600" dirty="0">
+                <a:solidFill>
+                  <a:srgbClr val="017C00"/>
+                </a:solidFill>
+              </a:rPr>
+              <a:t>Expression Data</a:t>
             </a:r>
           </a:p>
         </p:txBody>
@@ -19117,12 +19420,257 @@
           </a:p>
         </p:txBody>
       </p:sp>
+      <p:sp>
+        <p:nvSpPr>
+          <p:cNvPr id="10" name="TextBox 9">
+            <a:extLst>
+              <a:ext uri="{FF2B5EF4-FFF2-40B4-BE49-F238E27FC236}">
+                <a16:creationId xmlns:a16="http://schemas.microsoft.com/office/drawing/2014/main" id="{65896CBF-7912-104E-8E3C-DE95131A2AA4}"/>
+              </a:ext>
+            </a:extLst>
+          </p:cNvPr>
+          <p:cNvSpPr txBox="1"/>
+          <p:nvPr/>
+        </p:nvSpPr>
+        <p:spPr>
+          <a:xfrm>
+            <a:off x="22544187" y="20541037"/>
+            <a:ext cx="4667795" cy="4154984"/>
+          </a:xfrm>
+          <a:prstGeom prst="rect">
+            <a:avLst/>
+          </a:prstGeom>
+          <a:noFill/>
+        </p:spPr>
+        <p:txBody>
+          <a:bodyPr wrap="square" rtlCol="0">
+            <a:spAutoFit/>
+          </a:bodyPr>
+          <a:lstStyle/>
+          <a:p>
+            <a:pPr marL="342900" indent="-342900">
+              <a:buFont typeface="Arial" panose="020B0604020202020204" pitchFamily="34" charset="0"/>
+              <a:buChar char="•"/>
+            </a:pPr>
+            <a:r>
+              <a:rPr lang="en-US" sz="2400" dirty="0">
+                <a:solidFill>
+                  <a:schemeClr val="tx1"/>
+                </a:solidFill>
+              </a:rPr>
+              <a:t>A dynamic gene information webpage now opens when a user right-clicks on a node in a graph.</a:t>
+            </a:r>
+          </a:p>
+          <a:p>
+            <a:pPr marL="342900" indent="-342900">
+              <a:buFont typeface="Arial" panose="020B0604020202020204" pitchFamily="34" charset="0"/>
+              <a:buChar char="•"/>
+            </a:pPr>
+            <a:r>
+              <a:rPr lang="en-US" sz="2400" dirty="0">
+                <a:solidFill>
+                  <a:schemeClr val="tx1"/>
+                </a:solidFill>
+              </a:rPr>
+              <a:t>The node must be named properly and a gene of </a:t>
+            </a:r>
+            <a:r>
+              <a:rPr lang="en-US" sz="2400" i="1" dirty="0">
+                <a:solidFill>
+                  <a:schemeClr val="tx1"/>
+                </a:solidFill>
+              </a:rPr>
+              <a:t>Saccharomyces cerevisiae</a:t>
+            </a:r>
+            <a:r>
+              <a:rPr lang="en-US" sz="2400" dirty="0">
+                <a:solidFill>
+                  <a:schemeClr val="tx1"/>
+                </a:solidFill>
+              </a:rPr>
+              <a:t>.</a:t>
+            </a:r>
+          </a:p>
+          <a:p>
+            <a:pPr marL="342900" indent="-342900">
+              <a:buFont typeface="Arial" panose="020B0604020202020204" pitchFamily="34" charset="0"/>
+              <a:buChar char="•"/>
+            </a:pPr>
+            <a:r>
+              <a:rPr lang="en-US" sz="2400" dirty="0">
+                <a:solidFill>
+                  <a:schemeClr val="tx1"/>
+                </a:solidFill>
+              </a:rPr>
+              <a:t>The page sends a series of Asynchronous </a:t>
+            </a:r>
+            <a:r>
+              <a:rPr lang="en-US" sz="2400">
+                <a:solidFill>
+                  <a:schemeClr val="tx1"/>
+                </a:solidFill>
+              </a:rPr>
+              <a:t>JavaScript </a:t>
+            </a:r>
+            <a:r>
+              <a:rPr lang="en-US" sz="2400" smtClean="0">
+                <a:solidFill>
+                  <a:schemeClr val="tx1"/>
+                </a:solidFill>
+              </a:rPr>
+              <a:t>and XML (AJAX) data requests, written using the jQuery </a:t>
+            </a:r>
+            <a:endParaRPr lang="en-US" sz="2400" dirty="0"/>
+          </a:p>
+        </p:txBody>
+      </p:sp>
+      <p:sp>
+        <p:nvSpPr>
+          <p:cNvPr id="11" name="TextBox 10">
+            <a:extLst>
+              <a:ext uri="{FF2B5EF4-FFF2-40B4-BE49-F238E27FC236}">
+                <a16:creationId xmlns:a16="http://schemas.microsoft.com/office/drawing/2014/main" id="{C0E2D838-E43D-B341-BEB2-F10255A605DE}"/>
+              </a:ext>
+            </a:extLst>
+          </p:cNvPr>
+          <p:cNvSpPr txBox="1"/>
+          <p:nvPr/>
+        </p:nvSpPr>
+        <p:spPr>
+          <a:xfrm>
+            <a:off x="22532098" y="24564499"/>
+            <a:ext cx="9909169" cy="3785652"/>
+          </a:xfrm>
+          <a:prstGeom prst="rect">
+            <a:avLst/>
+          </a:prstGeom>
+          <a:noFill/>
+        </p:spPr>
+        <p:txBody>
+          <a:bodyPr wrap="square" rtlCol="0">
+            <a:spAutoFit/>
+          </a:bodyPr>
+          <a:lstStyle/>
+          <a:p>
+            <a:pPr marL="342900"/>
+            <a:r>
+              <a:rPr lang="en-US" sz="2400" smtClean="0">
+                <a:solidFill>
+                  <a:schemeClr val="tx1"/>
+                </a:solidFill>
+              </a:rPr>
+              <a:t>JavaScript </a:t>
+            </a:r>
+            <a:r>
+              <a:rPr lang="en-US" sz="2400" dirty="0">
+                <a:solidFill>
+                  <a:schemeClr val="tx1"/>
+                </a:solidFill>
+              </a:rPr>
+              <a:t>library, to the JASPAR, NCBI Gene, </a:t>
+            </a:r>
+            <a:r>
+              <a:rPr lang="en-US" sz="2400" dirty="0" err="1">
+                <a:solidFill>
+                  <a:schemeClr val="tx1"/>
+                </a:solidFill>
+              </a:rPr>
+              <a:t>UniProt</a:t>
+            </a:r>
+            <a:r>
+              <a:rPr lang="en-US" sz="2400" dirty="0">
+                <a:solidFill>
+                  <a:schemeClr val="tx1"/>
+                </a:solidFill>
+              </a:rPr>
+              <a:t>, </a:t>
+            </a:r>
+            <a:r>
+              <a:rPr lang="en-US" sz="2400" dirty="0" err="1">
+                <a:solidFill>
+                  <a:schemeClr val="tx1"/>
+                </a:solidFill>
+              </a:rPr>
+              <a:t>Ensembl</a:t>
+            </a:r>
+            <a:r>
+              <a:rPr lang="en-US" sz="2400" dirty="0">
+                <a:solidFill>
+                  <a:schemeClr val="tx1"/>
+                </a:solidFill>
+              </a:rPr>
+              <a:t>, and Saccharomyces Genome Databases. </a:t>
+            </a:r>
+          </a:p>
+          <a:p>
+            <a:pPr marL="342900" indent="-342900">
+              <a:buFont typeface="Arial" panose="020B0604020202020204" pitchFamily="34" charset="0"/>
+              <a:buChar char="•"/>
+            </a:pPr>
+            <a:r>
+              <a:rPr lang="en-US" sz="2400" dirty="0">
+                <a:solidFill>
+                  <a:schemeClr val="tx1"/>
+                </a:solidFill>
+              </a:rPr>
+              <a:t>These databases are some of the largest repositories for information regarding </a:t>
+            </a:r>
+            <a:r>
+              <a:rPr lang="en-US" sz="2400" i="1" dirty="0">
+                <a:solidFill>
+                  <a:schemeClr val="tx1"/>
+                </a:solidFill>
+              </a:rPr>
+              <a:t>Saccharomyces cerevisiae</a:t>
+            </a:r>
+            <a:r>
+              <a:rPr lang="en-US" sz="2400" dirty="0">
+                <a:solidFill>
+                  <a:schemeClr val="tx1"/>
+                </a:solidFill>
+              </a:rPr>
+              <a:t>.</a:t>
+            </a:r>
+          </a:p>
+          <a:p>
+            <a:pPr marL="342900" indent="-342900">
+              <a:buFont typeface="Arial" panose="020B0604020202020204" pitchFamily="34" charset="0"/>
+              <a:buChar char="•"/>
+            </a:pPr>
+            <a:r>
+              <a:rPr lang="en-US" sz="2400" dirty="0">
+                <a:solidFill>
+                  <a:schemeClr val="tx1"/>
+                </a:solidFill>
+              </a:rPr>
+              <a:t>The webpage is then populated with data returned regarding the gene’s description, protein sequence, DNA binding motif frequency matrix and sequence logo, and Gene Ontology terms.</a:t>
+            </a:r>
+          </a:p>
+          <a:p>
+            <a:pPr marL="342900" indent="-342900">
+              <a:buFont typeface="Arial" panose="020B0604020202020204" pitchFamily="34" charset="0"/>
+              <a:buChar char="•"/>
+            </a:pPr>
+            <a:r>
+              <a:rPr lang="en-US" sz="2400" dirty="0">
+                <a:solidFill>
+                  <a:schemeClr val="tx1"/>
+                </a:solidFill>
+              </a:rPr>
+              <a:t>All information is linked back to the original source, making citations much easier. </a:t>
+            </a:r>
+          </a:p>
+          <a:p>
+            <a:endParaRPr lang="en-US" sz="2400" dirty="0"/>
+          </a:p>
+        </p:txBody>
+      </p:sp>
       <p:pic>
         <p:nvPicPr>
-          <p:cNvPr id="9" name="Picture 8" descr="A screenshot of a cell phone&#13;&#10;&#13;&#10;Description automatically generated">
+          <p:cNvPr id="17" name="Picture 16">
             <a:extLst>
               <a:ext uri="{FF2B5EF4-FFF2-40B4-BE49-F238E27FC236}">
-                <a16:creationId xmlns:a16="http://schemas.microsoft.com/office/drawing/2014/main" id="{B92C295A-B86F-ED43-A2A3-526586C481D0}"/>
+                <a16:creationId xmlns:a16="http://schemas.microsoft.com/office/drawing/2014/main" id="{07CCC285-8D15-774C-A655-7FD962228F84}"/>
               </a:ext>
             </a:extLst>
           </p:cNvPr>
@@ -19139,288 +19687,7 @@
         </p:blipFill>
         <p:spPr>
           <a:xfrm>
-            <a:off x="27985107" y="28792679"/>
-            <a:ext cx="4154366" cy="1605375"/>
-          </a:xfrm>
-          <a:prstGeom prst="rect">
-            <a:avLst/>
-          </a:prstGeom>
-        </p:spPr>
-      </p:pic>
-      <p:sp>
-        <p:nvSpPr>
-          <p:cNvPr id="10" name="TextBox 9">
-            <a:extLst>
-              <a:ext uri="{FF2B5EF4-FFF2-40B4-BE49-F238E27FC236}">
-                <a16:creationId xmlns:a16="http://schemas.microsoft.com/office/drawing/2014/main" id="{65896CBF-7912-104E-8E3C-DE95131A2AA4}"/>
-              </a:ext>
-            </a:extLst>
-          </p:cNvPr>
-          <p:cNvSpPr txBox="1"/>
-          <p:nvPr/>
-        </p:nvSpPr>
-        <p:spPr>
-          <a:xfrm>
-            <a:off x="22544187" y="20541037"/>
-            <a:ext cx="4667795" cy="3416320"/>
-          </a:xfrm>
-          <a:prstGeom prst="rect">
-            <a:avLst/>
-          </a:prstGeom>
-          <a:noFill/>
-        </p:spPr>
-        <p:txBody>
-          <a:bodyPr wrap="square" rtlCol="0">
-            <a:spAutoFit/>
-          </a:bodyPr>
-          <a:lstStyle/>
-          <a:p>
-            <a:pPr marL="342900" indent="-342900">
-              <a:buFont typeface="Arial" panose="020B0604020202020204" pitchFamily="34" charset="0"/>
-              <a:buChar char="•"/>
-            </a:pPr>
-            <a:r>
-              <a:rPr lang="en-US" sz="2400" dirty="0">
-                <a:solidFill>
-                  <a:schemeClr val="tx1"/>
-                </a:solidFill>
-              </a:rPr>
-              <a:t>A dynamic gene information webpage now opens when a user right-clicks on a node in a graph.</a:t>
-            </a:r>
-          </a:p>
-          <a:p>
-            <a:pPr marL="342900" indent="-342900">
-              <a:buFont typeface="Arial" panose="020B0604020202020204" pitchFamily="34" charset="0"/>
-              <a:buChar char="•"/>
-            </a:pPr>
-            <a:r>
-              <a:rPr lang="en-US" sz="2400" dirty="0">
-                <a:solidFill>
-                  <a:schemeClr val="tx1"/>
-                </a:solidFill>
-              </a:rPr>
-              <a:t>The node must be named properly and a gene of </a:t>
-            </a:r>
-            <a:r>
-              <a:rPr lang="en-US" sz="2400" i="1" dirty="0">
-                <a:solidFill>
-                  <a:schemeClr val="tx1"/>
-                </a:solidFill>
-              </a:rPr>
-              <a:t>Saccharomyces cerevisiae</a:t>
-            </a:r>
-            <a:r>
-              <a:rPr lang="en-US" sz="2400" dirty="0">
-                <a:solidFill>
-                  <a:schemeClr val="tx1"/>
-                </a:solidFill>
-              </a:rPr>
-              <a:t>.</a:t>
-            </a:r>
-          </a:p>
-          <a:p>
-            <a:pPr marL="342900" indent="-342900">
-              <a:buFont typeface="Arial" panose="020B0604020202020204" pitchFamily="34" charset="0"/>
-              <a:buChar char="•"/>
-            </a:pPr>
-            <a:r>
-              <a:rPr lang="en-US" sz="2400" dirty="0">
-                <a:solidFill>
-                  <a:schemeClr val="tx1"/>
-                </a:solidFill>
-              </a:rPr>
-              <a:t>The page sends a series of Asynchronous JavaScript and</a:t>
-            </a:r>
-            <a:endParaRPr lang="en-US" sz="2400" dirty="0"/>
-          </a:p>
-        </p:txBody>
-      </p:sp>
-      <p:sp>
-        <p:nvSpPr>
-          <p:cNvPr id="11" name="TextBox 10">
-            <a:extLst>
-              <a:ext uri="{FF2B5EF4-FFF2-40B4-BE49-F238E27FC236}">
-                <a16:creationId xmlns:a16="http://schemas.microsoft.com/office/drawing/2014/main" id="{C0E2D838-E43D-B341-BEB2-F10255A605DE}"/>
-              </a:ext>
-            </a:extLst>
-          </p:cNvPr>
-          <p:cNvSpPr txBox="1"/>
-          <p:nvPr/>
-        </p:nvSpPr>
-        <p:spPr>
-          <a:xfrm>
-            <a:off x="22532098" y="23842611"/>
-            <a:ext cx="9909169" cy="4154984"/>
-          </a:xfrm>
-          <a:prstGeom prst="rect">
-            <a:avLst/>
-          </a:prstGeom>
-          <a:noFill/>
-        </p:spPr>
-        <p:txBody>
-          <a:bodyPr wrap="square" rtlCol="0">
-            <a:spAutoFit/>
-          </a:bodyPr>
-          <a:lstStyle/>
-          <a:p>
-            <a:pPr marL="342900"/>
-            <a:r>
-              <a:rPr lang="en-US" sz="2400" dirty="0">
-                <a:solidFill>
-                  <a:schemeClr val="tx1"/>
-                </a:solidFill>
-              </a:rPr>
-              <a:t>XML (AJAX) data requests, written using the jQuery JavaScript library, to the JASPAR, NCBI Gene, </a:t>
-            </a:r>
-            <a:r>
-              <a:rPr lang="en-US" sz="2400" dirty="0" err="1">
-                <a:solidFill>
-                  <a:schemeClr val="tx1"/>
-                </a:solidFill>
-              </a:rPr>
-              <a:t>UniProt</a:t>
-            </a:r>
-            <a:r>
-              <a:rPr lang="en-US" sz="2400" dirty="0">
-                <a:solidFill>
-                  <a:schemeClr val="tx1"/>
-                </a:solidFill>
-              </a:rPr>
-              <a:t>, </a:t>
-            </a:r>
-            <a:r>
-              <a:rPr lang="en-US" sz="2400" dirty="0" err="1">
-                <a:solidFill>
-                  <a:schemeClr val="tx1"/>
-                </a:solidFill>
-              </a:rPr>
-              <a:t>Ensembl</a:t>
-            </a:r>
-            <a:r>
-              <a:rPr lang="en-US" sz="2400" dirty="0">
-                <a:solidFill>
-                  <a:schemeClr val="tx1"/>
-                </a:solidFill>
-              </a:rPr>
-              <a:t>, and Saccharomyces Genome Databases. </a:t>
-            </a:r>
-          </a:p>
-          <a:p>
-            <a:pPr marL="342900" indent="-342900">
-              <a:buFont typeface="Arial" panose="020B0604020202020204" pitchFamily="34" charset="0"/>
-              <a:buChar char="•"/>
-            </a:pPr>
-            <a:r>
-              <a:rPr lang="en-US" sz="2400" dirty="0">
-                <a:solidFill>
-                  <a:schemeClr val="tx1"/>
-                </a:solidFill>
-              </a:rPr>
-              <a:t>These databases are some of the largest repositories for information regarding </a:t>
-            </a:r>
-            <a:r>
-              <a:rPr lang="en-US" sz="2400" i="1" dirty="0">
-                <a:solidFill>
-                  <a:schemeClr val="tx1"/>
-                </a:solidFill>
-              </a:rPr>
-              <a:t>Saccharomyces cerevisiae</a:t>
-            </a:r>
-            <a:r>
-              <a:rPr lang="en-US" sz="2400" dirty="0">
-                <a:solidFill>
-                  <a:schemeClr val="tx1"/>
-                </a:solidFill>
-              </a:rPr>
-              <a:t>.</a:t>
-            </a:r>
-          </a:p>
-          <a:p>
-            <a:pPr marL="342900" indent="-342900">
-              <a:buFont typeface="Arial" panose="020B0604020202020204" pitchFamily="34" charset="0"/>
-              <a:buChar char="•"/>
-            </a:pPr>
-            <a:r>
-              <a:rPr lang="en-US" sz="2400" dirty="0">
-                <a:solidFill>
-                  <a:schemeClr val="tx1"/>
-                </a:solidFill>
-              </a:rPr>
-              <a:t>The webpage is then populated with data returned regarding the gene’s description, protein sequence, DNA binding motif frequency matrix and sequence logo, and Gene Ontology terms.</a:t>
-            </a:r>
-          </a:p>
-          <a:p>
-            <a:pPr marL="342900" indent="-342900">
-              <a:buFont typeface="Arial" panose="020B0604020202020204" pitchFamily="34" charset="0"/>
-              <a:buChar char="•"/>
-            </a:pPr>
-            <a:r>
-              <a:rPr lang="en-US" sz="2400" dirty="0">
-                <a:solidFill>
-                  <a:schemeClr val="tx1"/>
-                </a:solidFill>
-              </a:rPr>
-              <a:t>All information is linked back to the original source, making citations much easier. </a:t>
-            </a:r>
-          </a:p>
-          <a:p>
-            <a:endParaRPr lang="en-US" sz="2400" dirty="0"/>
-          </a:p>
-        </p:txBody>
-      </p:sp>
-      <p:pic>
-        <p:nvPicPr>
-          <p:cNvPr id="14" name="Picture 13">
-            <a:extLst>
-              <a:ext uri="{FF2B5EF4-FFF2-40B4-BE49-F238E27FC236}">
-                <a16:creationId xmlns:a16="http://schemas.microsoft.com/office/drawing/2014/main" id="{7F922563-EEC8-E541-9BB1-54511CECCD38}"/>
-              </a:ext>
-            </a:extLst>
-          </p:cNvPr>
-          <p:cNvPicPr>
-            <a:picLocks noChangeAspect="1"/>
-          </p:cNvPicPr>
-          <p:nvPr/>
-        </p:nvPicPr>
-        <p:blipFill>
-          <a:blip r:embed="rId26"/>
-          <a:stretch>
-            <a:fillRect/>
-          </a:stretch>
-        </p:blipFill>
-        <p:spPr>
-          <a:xfrm>
-            <a:off x="30078200" y="20603082"/>
-            <a:ext cx="2108200" cy="965200"/>
-          </a:xfrm>
-          <a:prstGeom prst="rect">
-            <a:avLst/>
-          </a:prstGeom>
-        </p:spPr>
-      </p:pic>
-      <p:pic>
-        <p:nvPicPr>
-          <p:cNvPr id="17" name="Picture 16">
-            <a:extLst>
-              <a:ext uri="{FF2B5EF4-FFF2-40B4-BE49-F238E27FC236}">
-                <a16:creationId xmlns:a16="http://schemas.microsoft.com/office/drawing/2014/main" id="{07CCC285-8D15-774C-A655-7FD962228F84}"/>
-              </a:ext>
-            </a:extLst>
-          </p:cNvPr>
-          <p:cNvPicPr>
-            <a:picLocks noChangeAspect="1"/>
-          </p:cNvPicPr>
-          <p:nvPr/>
-        </p:nvPicPr>
-        <p:blipFill>
-          <a:blip r:embed="rId27"/>
-          <a:stretch>
-            <a:fillRect/>
-          </a:stretch>
-        </p:blipFill>
-        <p:spPr>
-          <a:xfrm>
-            <a:off x="30513954" y="21964162"/>
+            <a:off x="30421100" y="21545062"/>
             <a:ext cx="1422400" cy="1422400"/>
           </a:xfrm>
           <a:prstGeom prst="rect">
@@ -19443,14 +19710,14 @@
           <p:nvPr/>
         </p:nvPicPr>
         <p:blipFill>
-          <a:blip r:embed="rId28"/>
+          <a:blip r:embed="rId26"/>
           <a:stretch>
             <a:fillRect/>
           </a:stretch>
         </p:blipFill>
         <p:spPr>
           <a:xfrm>
-            <a:off x="27248091" y="21802003"/>
+            <a:off x="27248091" y="22537018"/>
             <a:ext cx="2540000" cy="1778000"/>
           </a:xfrm>
           <a:prstGeom prst="rect">
@@ -19473,15 +19740,15 @@
           <p:nvPr/>
         </p:nvPicPr>
         <p:blipFill>
-          <a:blip r:embed="rId29"/>
+          <a:blip r:embed="rId27"/>
           <a:stretch>
             <a:fillRect/>
           </a:stretch>
         </p:blipFill>
         <p:spPr>
           <a:xfrm>
-            <a:off x="27502091" y="20507832"/>
-            <a:ext cx="2286000" cy="1155700"/>
+            <a:off x="27222691" y="20555457"/>
+            <a:ext cx="2839480" cy="1435515"/>
           </a:xfrm>
           <a:prstGeom prst="rect">
             <a:avLst/>
@@ -19503,14 +19770,104 @@
           <p:nvPr/>
         </p:nvPicPr>
         <p:blipFill rotWithShape="1">
-          <a:blip r:embed="rId30"/>
+          <a:blip r:embed="rId28"/>
           <a:srcRect l="12982" t="25258" r="8303" b="407"/>
           <a:stretch/>
         </p:blipFill>
         <p:spPr>
           <a:xfrm>
-            <a:off x="22721464" y="27805938"/>
-            <a:ext cx="5086365" cy="3208160"/>
+            <a:off x="22660537" y="27989371"/>
+            <a:ext cx="6359161" cy="4010960"/>
+          </a:xfrm>
+          <a:prstGeom prst="rect">
+            <a:avLst/>
+          </a:prstGeom>
+        </p:spPr>
+      </p:pic>
+      <p:pic>
+        <p:nvPicPr>
+          <p:cNvPr id="3" name="Picture 2"/>
+          <p:cNvPicPr>
+            <a:picLocks noChangeAspect="1"/>
+          </p:cNvPicPr>
+          <p:nvPr/>
+        </p:nvPicPr>
+        <p:blipFill>
+          <a:blip r:embed="rId29">
+            <a:extLst>
+              <a:ext uri="{28A0092B-C50C-407E-A947-70E740481C1C}">
+                <a14:useLocalDpi xmlns:a14="http://schemas.microsoft.com/office/drawing/2010/main" val="0"/>
+              </a:ext>
+            </a:extLst>
+          </a:blip>
+          <a:stretch>
+            <a:fillRect/>
+          </a:stretch>
+        </p:blipFill>
+        <p:spPr>
+          <a:xfrm>
+            <a:off x="30511777" y="22782326"/>
+            <a:ext cx="1241046" cy="1532692"/>
+          </a:xfrm>
+          <a:prstGeom prst="rect">
+            <a:avLst/>
+          </a:prstGeom>
+        </p:spPr>
+      </p:pic>
+      <p:pic>
+        <p:nvPicPr>
+          <p:cNvPr id="14" name="Picture 13">
+            <a:extLst>
+              <a:ext uri="{FF2B5EF4-FFF2-40B4-BE49-F238E27FC236}">
+                <a16:creationId xmlns:a16="http://schemas.microsoft.com/office/drawing/2014/main" id="{7F922563-EEC8-E541-9BB1-54511CECCD38}"/>
+              </a:ext>
+            </a:extLst>
+          </p:cNvPr>
+          <p:cNvPicPr>
+            <a:picLocks noChangeAspect="1"/>
+          </p:cNvPicPr>
+          <p:nvPr/>
+        </p:nvPicPr>
+        <p:blipFill>
+          <a:blip r:embed="rId30"/>
+          <a:stretch>
+            <a:fillRect/>
+          </a:stretch>
+        </p:blipFill>
+        <p:spPr>
+          <a:xfrm>
+            <a:off x="30078200" y="20790614"/>
+            <a:ext cx="2108200" cy="965200"/>
+          </a:xfrm>
+          <a:prstGeom prst="rect">
+            <a:avLst/>
+          </a:prstGeom>
+        </p:spPr>
+      </p:pic>
+      <p:pic>
+        <p:nvPicPr>
+          <p:cNvPr id="9" name="Picture 8" descr="A screenshot of a cell phone&#10;&#10;Description automatically generated">
+            <a:extLst>
+              <a:ext uri="{FF2B5EF4-FFF2-40B4-BE49-F238E27FC236}">
+                <a16:creationId xmlns:a16="http://schemas.microsoft.com/office/drawing/2014/main" id="{B92C295A-B86F-ED43-A2A3-526586C481D0}"/>
+              </a:ext>
+            </a:extLst>
+          </p:cNvPr>
+          <p:cNvPicPr>
+            <a:picLocks noChangeAspect="1"/>
+          </p:cNvPicPr>
+          <p:nvPr/>
+        </p:nvPicPr>
+        <p:blipFill>
+          <a:blip r:embed="rId31"/>
+          <a:stretch>
+            <a:fillRect/>
+          </a:stretch>
+        </p:blipFill>
+        <p:spPr>
+          <a:xfrm>
+            <a:off x="28173649" y="30185406"/>
+            <a:ext cx="4154366" cy="1605375"/>
           </a:xfrm>
           <a:prstGeom prst="rect">
             <a:avLst/>
